--- a/FullStackREST/FullStackREST.pptx
+++ b/FullStackREST/FullStackREST.pptx
@@ -5,7 +5,7 @@
     <p:sldMasterId id="2147483648" r:id="rId1"/>
   </p:sldMasterIdLst>
   <p:notesMasterIdLst>
-    <p:notesMasterId r:id="rId30"/>
+    <p:notesMasterId r:id="rId31"/>
   </p:notesMasterIdLst>
   <p:sldIdLst>
     <p:sldId id="257" r:id="rId2"/>
@@ -30,12 +30,13 @@
     <p:sldId id="289" r:id="rId21"/>
     <p:sldId id="303" r:id="rId22"/>
     <p:sldId id="304" r:id="rId23"/>
-    <p:sldId id="305" r:id="rId24"/>
-    <p:sldId id="306" r:id="rId25"/>
-    <p:sldId id="307" r:id="rId26"/>
-    <p:sldId id="267" r:id="rId27"/>
-    <p:sldId id="301" r:id="rId28"/>
-    <p:sldId id="302" r:id="rId29"/>
+    <p:sldId id="309" r:id="rId24"/>
+    <p:sldId id="305" r:id="rId25"/>
+    <p:sldId id="306" r:id="rId26"/>
+    <p:sldId id="307" r:id="rId27"/>
+    <p:sldId id="267" r:id="rId28"/>
+    <p:sldId id="301" r:id="rId29"/>
+    <p:sldId id="302" r:id="rId30"/>
   </p:sldIdLst>
   <p:sldSz cx="12192000" cy="6858000"/>
   <p:notesSz cx="6858000" cy="9144000"/>
@@ -735,7 +736,7 @@
           <a:p>
             <a:fld id="{DC42B9C4-3265-4C64-80EB-D0107FD08979}" type="slidenum">
               <a:rPr lang="en-US" smtClean="0"/>
-              <a:t>28</a:t>
+              <a:t>29</a:t>
             </a:fld>
             <a:endParaRPr lang="en-US"/>
           </a:p>
@@ -6100,6 +6101,125 @@
       </p:grpSpPr>
       <p:pic>
         <p:nvPicPr>
+          <p:cNvPr id="4098" name="Picture 2" descr="http://www.cats.org.uk/uploads/images/pages/photo_latest14.jpg"/>
+          <p:cNvPicPr>
+            <a:picLocks noChangeAspect="1" noChangeArrowheads="1"/>
+          </p:cNvPicPr>
+          <p:nvPr/>
+        </p:nvPicPr>
+        <p:blipFill>
+          <a:blip r:embed="rId2">
+            <a:extLst>
+              <a:ext uri="{28A0092B-C50C-407E-A947-70E740481C1C}">
+                <a14:useLocalDpi xmlns:a14="http://schemas.microsoft.com/office/drawing/2010/main" val="0"/>
+              </a:ext>
+            </a:extLst>
+          </a:blip>
+          <a:srcRect/>
+          <a:stretch>
+            <a:fillRect/>
+          </a:stretch>
+        </p:blipFill>
+        <p:spPr bwMode="auto">
+          <a:xfrm>
+            <a:off x="1192696" y="262166"/>
+            <a:ext cx="4253948" cy="5261852"/>
+          </a:xfrm>
+          <a:prstGeom prst="rect">
+            <a:avLst/>
+          </a:prstGeom>
+          <a:noFill/>
+          <a:extLst>
+            <a:ext uri="{909E8E84-426E-40DD-AFC4-6F175D3DCCD1}">
+              <a14:hiddenFill xmlns:a14="http://schemas.microsoft.com/office/drawing/2010/main">
+                <a:solidFill>
+                  <a:srgbClr val="FFFFFF"/>
+                </a:solidFill>
+              </a14:hiddenFill>
+            </a:ext>
+          </a:extLst>
+        </p:spPr>
+      </p:pic>
+      <p:pic>
+        <p:nvPicPr>
+          <p:cNvPr id="4100" name="Picture 4" descr="http://www.adultfootedpjs.com/media/products/BlueDucks%20Large.jpg"/>
+          <p:cNvPicPr>
+            <a:picLocks noChangeAspect="1" noChangeArrowheads="1"/>
+          </p:cNvPicPr>
+          <p:nvPr/>
+        </p:nvPicPr>
+        <p:blipFill>
+          <a:blip r:embed="rId3">
+            <a:extLst>
+              <a:ext uri="{28A0092B-C50C-407E-A947-70E740481C1C}">
+                <a14:useLocalDpi xmlns:a14="http://schemas.microsoft.com/office/drawing/2010/main" val="0"/>
+              </a:ext>
+            </a:extLst>
+          </a:blip>
+          <a:srcRect/>
+          <a:stretch>
+            <a:fillRect/>
+          </a:stretch>
+        </p:blipFill>
+        <p:spPr bwMode="auto">
+          <a:xfrm>
+            <a:off x="6814793" y="0"/>
+            <a:ext cx="4356789" cy="6538449"/>
+          </a:xfrm>
+          <a:prstGeom prst="rect">
+            <a:avLst/>
+          </a:prstGeom>
+          <a:noFill/>
+          <a:extLst>
+            <a:ext uri="{909E8E84-426E-40DD-AFC4-6F175D3DCCD1}">
+              <a14:hiddenFill xmlns:a14="http://schemas.microsoft.com/office/drawing/2010/main">
+                <a:solidFill>
+                  <a:srgbClr val="FFFFFF"/>
+                </a:solidFill>
+              </a14:hiddenFill>
+            </a:ext>
+          </a:extLst>
+        </p:spPr>
+      </p:pic>
+    </p:spTree>
+    <p:extLst>
+      <p:ext uri="{BB962C8B-B14F-4D97-AF65-F5344CB8AC3E}">
+        <p14:creationId xmlns:p14="http://schemas.microsoft.com/office/powerpoint/2010/main" val="1631109216"/>
+      </p:ext>
+    </p:extLst>
+  </p:cSld>
+  <p:clrMapOvr>
+    <a:masterClrMapping/>
+  </p:clrMapOvr>
+  <p:timing>
+    <p:tnLst>
+      <p:par>
+        <p:cTn id="1" dur="indefinite" restart="never" nodeType="tmRoot"/>
+      </p:par>
+    </p:tnLst>
+  </p:timing>
+</p:sld>
+</file>
+
+<file path=ppt/slides/slide24.xml><?xml version="1.0" encoding="utf-8"?>
+<p:sld xmlns:a="http://schemas.openxmlformats.org/drawingml/2006/main" xmlns:r="http://schemas.openxmlformats.org/officeDocument/2006/relationships" xmlns:p="http://schemas.openxmlformats.org/presentationml/2006/main">
+  <p:cSld>
+    <p:spTree>
+      <p:nvGrpSpPr>
+        <p:cNvPr id="1" name=""/>
+        <p:cNvGrpSpPr/>
+        <p:nvPr/>
+      </p:nvGrpSpPr>
+      <p:grpSpPr>
+        <a:xfrm>
+          <a:off x="0" y="0"/>
+          <a:ext cx="0" cy="0"/>
+          <a:chOff x="0" y="0"/>
+          <a:chExt cx="0" cy="0"/>
+        </a:xfrm>
+      </p:grpSpPr>
+      <p:pic>
+        <p:nvPicPr>
           <p:cNvPr id="3076" name="Picture 4" descr="http://clipartzebraz.com/cliparts/bomb/cliparti1_bomb_06.jpg"/>
           <p:cNvPicPr>
             <a:picLocks noChangeAspect="1" noChangeArrowheads="1"/>
@@ -6200,7 +6320,7 @@
 </p:sld>
 </file>
 
-<file path=ppt/slides/slide24.xml><?xml version="1.0" encoding="utf-8"?>
+<file path=ppt/slides/slide25.xml><?xml version="1.0" encoding="utf-8"?>
 <p:sld xmlns:a="http://schemas.openxmlformats.org/drawingml/2006/main" xmlns:r="http://schemas.openxmlformats.org/officeDocument/2006/relationships" xmlns:p="http://schemas.openxmlformats.org/presentationml/2006/main">
   <p:cSld>
     <p:spTree>
@@ -7241,7 +7361,7 @@
 </p:sld>
 </file>
 
-<file path=ppt/slides/slide25.xml><?xml version="1.0" encoding="utf-8"?>
+<file path=ppt/slides/slide26.xml><?xml version="1.0" encoding="utf-8"?>
 <p:sld xmlns:a="http://schemas.openxmlformats.org/drawingml/2006/main" xmlns:r="http://schemas.openxmlformats.org/officeDocument/2006/relationships" xmlns:p="http://schemas.openxmlformats.org/presentationml/2006/main">
   <p:cSld>
     <p:spTree>
@@ -8366,7 +8486,7 @@
 </p:sld>
 </file>
 
-<file path=ppt/slides/slide26.xml><?xml version="1.0" encoding="utf-8"?>
+<file path=ppt/slides/slide27.xml><?xml version="1.0" encoding="utf-8"?>
 <p:sld xmlns:a="http://schemas.openxmlformats.org/drawingml/2006/main" xmlns:r="http://schemas.openxmlformats.org/officeDocument/2006/relationships" xmlns:p="http://schemas.openxmlformats.org/presentationml/2006/main">
   <p:cSld>
     <p:spTree>
@@ -8447,7 +8567,7 @@
 </p:sld>
 </file>
 
-<file path=ppt/slides/slide27.xml><?xml version="1.0" encoding="utf-8"?>
+<file path=ppt/slides/slide28.xml><?xml version="1.0" encoding="utf-8"?>
 <p:sld xmlns:a="http://schemas.openxmlformats.org/drawingml/2006/main" xmlns:r="http://schemas.openxmlformats.org/officeDocument/2006/relationships" xmlns:p="http://schemas.openxmlformats.org/presentationml/2006/main">
   <p:cSld>
     <p:spTree>
@@ -9066,7 +9186,7 @@
 </p:sld>
 </file>
 
-<file path=ppt/slides/slide28.xml><?xml version="1.0" encoding="utf-8"?>
+<file path=ppt/slides/slide29.xml><?xml version="1.0" encoding="utf-8"?>
 <p:sld xmlns:a="http://schemas.openxmlformats.org/drawingml/2006/main" xmlns:r="http://schemas.openxmlformats.org/officeDocument/2006/relationships" xmlns:p="http://schemas.openxmlformats.org/presentationml/2006/main">
   <p:cSld>
     <p:spTree>
@@ -10275,7 +10395,7 @@
         </p:blipFill>
         <p:spPr bwMode="auto">
           <a:xfrm>
-            <a:off x="8399710" y="2711339"/>
+            <a:off x="8717764" y="2711339"/>
             <a:ext cx="3428077" cy="2345031"/>
           </a:xfrm>
           <a:prstGeom prst="rect">

--- a/FullStackREST/FullStackREST.pptx
+++ b/FullStackREST/FullStackREST.pptx
@@ -8,7 +8,7 @@
     <p:notesMasterId r:id="rId31"/>
   </p:notesMasterIdLst>
   <p:sldIdLst>
-    <p:sldId id="257" r:id="rId2"/>
+    <p:sldId id="311" r:id="rId2"/>
     <p:sldId id="269" r:id="rId3"/>
     <p:sldId id="308" r:id="rId4"/>
     <p:sldId id="270" r:id="rId5"/>
@@ -36,7 +36,7 @@
     <p:sldId id="307" r:id="rId27"/>
     <p:sldId id="267" r:id="rId28"/>
     <p:sldId id="301" r:id="rId29"/>
-    <p:sldId id="302" r:id="rId30"/>
+    <p:sldId id="310" r:id="rId30"/>
   </p:sldIdLst>
   <p:sldSz cx="12192000" cy="6858000"/>
   <p:notesSz cx="6858000" cy="9144000"/>
@@ -143,6 +143,10 @@
 </p:presentation>
 </file>
 
+<file path=ppt/revisionInfo.xml><?xml version="1.0" encoding="utf-8"?>
+<p1510:revInfo xmlns:a="http://schemas.openxmlformats.org/drawingml/2006/main" xmlns:r="http://schemas.openxmlformats.org/officeDocument/2006/relationships" xmlns:p1510="http://schemas.microsoft.com/office/powerpoint/2015/10/main"/>
+</file>
+
 <file path=ppt/notesMasters/notesMaster1.xml><?xml version="1.0" encoding="utf-8"?>
 <p:notesMaster xmlns:a="http://schemas.openxmlformats.org/drawingml/2006/main" xmlns:r="http://schemas.openxmlformats.org/officeDocument/2006/relationships" xmlns:p="http://schemas.openxmlformats.org/presentationml/2006/main">
   <p:cSld>
@@ -225,7 +229,7 @@
           <a:p>
             <a:fld id="{BA11CBBD-FCCC-4341-9A07-9341F6C54581}" type="datetimeFigureOut">
               <a:rPr lang="en-US" smtClean="0"/>
-              <a:t>11/13/2015</a:t>
+              <a:t>11/13/2017</a:t>
             </a:fld>
             <a:endParaRPr lang="en-US"/>
           </a:p>
@@ -289,38 +293,37 @@
           <a:p>
             <a:pPr lvl="0"/>
             <a:r>
-              <a:rPr lang="en-US" smtClean="0"/>
+              <a:rPr lang="en-US"/>
               <a:t>Click to edit Master text styles</a:t>
             </a:r>
           </a:p>
           <a:p>
             <a:pPr lvl="1"/>
             <a:r>
-              <a:rPr lang="en-US" smtClean="0"/>
+              <a:rPr lang="en-US"/>
               <a:t>Second level</a:t>
             </a:r>
           </a:p>
           <a:p>
             <a:pPr lvl="2"/>
             <a:r>
-              <a:rPr lang="en-US" smtClean="0"/>
+              <a:rPr lang="en-US"/>
               <a:t>Third level</a:t>
             </a:r>
           </a:p>
           <a:p>
             <a:pPr lvl="3"/>
             <a:r>
-              <a:rPr lang="en-US" smtClean="0"/>
+              <a:rPr lang="en-US"/>
               <a:t>Fourth level</a:t>
             </a:r>
           </a:p>
           <a:p>
             <a:pPr lvl="4"/>
             <a:r>
-              <a:rPr lang="en-US" smtClean="0"/>
+              <a:rPr lang="en-US"/>
               <a:t>Fifth level</a:t>
             </a:r>
-            <a:endParaRPr lang="en-US"/>
           </a:p>
         </p:txBody>
       </p:sp>
@@ -572,7 +575,7 @@
     </p:spTree>
     <p:extLst>
       <p:ext uri="{BB962C8B-B14F-4D97-AF65-F5344CB8AC3E}">
-        <p14:creationId xmlns:p14="http://schemas.microsoft.com/office/powerpoint/2010/main" val="2155969709"/>
+        <p14:creationId xmlns:p14="http://schemas.microsoft.com/office/powerpoint/2010/main" val="1342108384"/>
       </p:ext>
     </p:extLst>
   </p:cSld>
@@ -745,7 +748,7 @@
     </p:spTree>
     <p:extLst>
       <p:ext uri="{BB962C8B-B14F-4D97-AF65-F5344CB8AC3E}">
-        <p14:creationId xmlns:p14="http://schemas.microsoft.com/office/powerpoint/2010/main" val="3321394911"/>
+        <p14:creationId xmlns:p14="http://schemas.microsoft.com/office/powerpoint/2010/main" val="2190417212"/>
       </p:ext>
     </p:extLst>
   </p:cSld>
@@ -797,10 +800,9 @@
           </a:lstStyle>
           <a:p>
             <a:r>
-              <a:rPr lang="en-US" smtClean="0"/>
+              <a:rPr lang="en-US"/>
               <a:t>Click to edit Master title style</a:t>
             </a:r>
-            <a:endParaRPr lang="en-US"/>
           </a:p>
         </p:txBody>
       </p:sp>
@@ -862,10 +864,9 @@
           </a:lstStyle>
           <a:p>
             <a:r>
-              <a:rPr lang="en-US" smtClean="0"/>
+              <a:rPr lang="en-US"/>
               <a:t>Click to edit Master subtitle style</a:t>
             </a:r>
-            <a:endParaRPr lang="en-US"/>
           </a:p>
         </p:txBody>
       </p:sp>
@@ -886,7 +887,7 @@
           <a:p>
             <a:fld id="{A2B0D24E-6441-4C34-9150-7D417DBEA707}" type="datetimeFigureOut">
               <a:rPr lang="en-US" smtClean="0"/>
-              <a:t>11/13/2015</a:t>
+              <a:t>11/13/2017</a:t>
             </a:fld>
             <a:endParaRPr lang="en-US"/>
           </a:p>
@@ -980,10 +981,9 @@
           <a:lstStyle/>
           <a:p>
             <a:r>
-              <a:rPr lang="en-US" smtClean="0"/>
+              <a:rPr lang="en-US"/>
               <a:t>Click to edit Master title style</a:t>
             </a:r>
-            <a:endParaRPr lang="en-US"/>
           </a:p>
         </p:txBody>
       </p:sp>
@@ -1004,38 +1004,37 @@
           <a:p>
             <a:pPr lvl="0"/>
             <a:r>
-              <a:rPr lang="en-US" smtClean="0"/>
+              <a:rPr lang="en-US"/>
               <a:t>Click to edit Master text styles</a:t>
             </a:r>
           </a:p>
           <a:p>
             <a:pPr lvl="1"/>
             <a:r>
-              <a:rPr lang="en-US" smtClean="0"/>
+              <a:rPr lang="en-US"/>
               <a:t>Second level</a:t>
             </a:r>
           </a:p>
           <a:p>
             <a:pPr lvl="2"/>
             <a:r>
-              <a:rPr lang="en-US" smtClean="0"/>
+              <a:rPr lang="en-US"/>
               <a:t>Third level</a:t>
             </a:r>
           </a:p>
           <a:p>
             <a:pPr lvl="3"/>
             <a:r>
-              <a:rPr lang="en-US" smtClean="0"/>
+              <a:rPr lang="en-US"/>
               <a:t>Fourth level</a:t>
             </a:r>
           </a:p>
           <a:p>
             <a:pPr lvl="4"/>
             <a:r>
-              <a:rPr lang="en-US" smtClean="0"/>
+              <a:rPr lang="en-US"/>
               <a:t>Fifth level</a:t>
             </a:r>
-            <a:endParaRPr lang="en-US"/>
           </a:p>
         </p:txBody>
       </p:sp>
@@ -1056,7 +1055,7 @@
           <a:p>
             <a:fld id="{A2B0D24E-6441-4C34-9150-7D417DBEA707}" type="datetimeFigureOut">
               <a:rPr lang="en-US" smtClean="0"/>
-              <a:t>11/13/2015</a:t>
+              <a:t>11/13/2017</a:t>
             </a:fld>
             <a:endParaRPr lang="en-US"/>
           </a:p>
@@ -1155,10 +1154,9 @@
           <a:lstStyle/>
           <a:p>
             <a:r>
-              <a:rPr lang="en-US" smtClean="0"/>
+              <a:rPr lang="en-US"/>
               <a:t>Click to edit Master title style</a:t>
             </a:r>
-            <a:endParaRPr lang="en-US"/>
           </a:p>
         </p:txBody>
       </p:sp>
@@ -1184,38 +1182,37 @@
           <a:p>
             <a:pPr lvl="0"/>
             <a:r>
-              <a:rPr lang="en-US" smtClean="0"/>
+              <a:rPr lang="en-US"/>
               <a:t>Click to edit Master text styles</a:t>
             </a:r>
           </a:p>
           <a:p>
             <a:pPr lvl="1"/>
             <a:r>
-              <a:rPr lang="en-US" smtClean="0"/>
+              <a:rPr lang="en-US"/>
               <a:t>Second level</a:t>
             </a:r>
           </a:p>
           <a:p>
             <a:pPr lvl="2"/>
             <a:r>
-              <a:rPr lang="en-US" smtClean="0"/>
+              <a:rPr lang="en-US"/>
               <a:t>Third level</a:t>
             </a:r>
           </a:p>
           <a:p>
             <a:pPr lvl="3"/>
             <a:r>
-              <a:rPr lang="en-US" smtClean="0"/>
+              <a:rPr lang="en-US"/>
               <a:t>Fourth level</a:t>
             </a:r>
           </a:p>
           <a:p>
             <a:pPr lvl="4"/>
             <a:r>
-              <a:rPr lang="en-US" smtClean="0"/>
+              <a:rPr lang="en-US"/>
               <a:t>Fifth level</a:t>
             </a:r>
-            <a:endParaRPr lang="en-US"/>
           </a:p>
         </p:txBody>
       </p:sp>
@@ -1236,7 +1233,7 @@
           <a:p>
             <a:fld id="{A2B0D24E-6441-4C34-9150-7D417DBEA707}" type="datetimeFigureOut">
               <a:rPr lang="en-US" smtClean="0"/>
-              <a:t>11/13/2015</a:t>
+              <a:t>11/13/2017</a:t>
             </a:fld>
             <a:endParaRPr lang="en-US"/>
           </a:p>
@@ -1330,10 +1327,9 @@
           <a:lstStyle/>
           <a:p>
             <a:r>
-              <a:rPr lang="en-US" smtClean="0"/>
+              <a:rPr lang="en-US"/>
               <a:t>Click to edit Master title style</a:t>
             </a:r>
-            <a:endParaRPr lang="en-US"/>
           </a:p>
         </p:txBody>
       </p:sp>
@@ -1354,38 +1350,37 @@
           <a:p>
             <a:pPr lvl="0"/>
             <a:r>
-              <a:rPr lang="en-US" smtClean="0"/>
+              <a:rPr lang="en-US"/>
               <a:t>Click to edit Master text styles</a:t>
             </a:r>
           </a:p>
           <a:p>
             <a:pPr lvl="1"/>
             <a:r>
-              <a:rPr lang="en-US" smtClean="0"/>
+              <a:rPr lang="en-US"/>
               <a:t>Second level</a:t>
             </a:r>
           </a:p>
           <a:p>
             <a:pPr lvl="2"/>
             <a:r>
-              <a:rPr lang="en-US" smtClean="0"/>
+              <a:rPr lang="en-US"/>
               <a:t>Third level</a:t>
             </a:r>
           </a:p>
           <a:p>
             <a:pPr lvl="3"/>
             <a:r>
-              <a:rPr lang="en-US" smtClean="0"/>
+              <a:rPr lang="en-US"/>
               <a:t>Fourth level</a:t>
             </a:r>
           </a:p>
           <a:p>
             <a:pPr lvl="4"/>
             <a:r>
-              <a:rPr lang="en-US" smtClean="0"/>
+              <a:rPr lang="en-US"/>
               <a:t>Fifth level</a:t>
             </a:r>
-            <a:endParaRPr lang="en-US"/>
           </a:p>
         </p:txBody>
       </p:sp>
@@ -1406,7 +1401,7 @@
           <a:p>
             <a:fld id="{A2B0D24E-6441-4C34-9150-7D417DBEA707}" type="datetimeFigureOut">
               <a:rPr lang="en-US" smtClean="0"/>
-              <a:t>11/13/2015</a:t>
+              <a:t>11/13/2017</a:t>
             </a:fld>
             <a:endParaRPr lang="en-US"/>
           </a:p>
@@ -1509,10 +1504,9 @@
           </a:lstStyle>
           <a:p>
             <a:r>
-              <a:rPr lang="en-US" smtClean="0"/>
+              <a:rPr lang="en-US"/>
               <a:t>Click to edit Master title style</a:t>
             </a:r>
-            <a:endParaRPr lang="en-US"/>
           </a:p>
         </p:txBody>
       </p:sp>
@@ -1629,7 +1623,7 @@
           <a:p>
             <a:pPr lvl="0"/>
             <a:r>
-              <a:rPr lang="en-US" smtClean="0"/>
+              <a:rPr lang="en-US"/>
               <a:t>Click to edit Master text styles</a:t>
             </a:r>
           </a:p>
@@ -1652,7 +1646,7 @@
           <a:p>
             <a:fld id="{A2B0D24E-6441-4C34-9150-7D417DBEA707}" type="datetimeFigureOut">
               <a:rPr lang="en-US" smtClean="0"/>
-              <a:t>11/13/2015</a:t>
+              <a:t>11/13/2017</a:t>
             </a:fld>
             <a:endParaRPr lang="en-US"/>
           </a:p>
@@ -1746,10 +1740,9 @@
           <a:lstStyle/>
           <a:p>
             <a:r>
-              <a:rPr lang="en-US" smtClean="0"/>
+              <a:rPr lang="en-US"/>
               <a:t>Click to edit Master title style</a:t>
             </a:r>
-            <a:endParaRPr lang="en-US"/>
           </a:p>
         </p:txBody>
       </p:sp>
@@ -1775,38 +1768,37 @@
           <a:p>
             <a:pPr lvl="0"/>
             <a:r>
-              <a:rPr lang="en-US" smtClean="0"/>
+              <a:rPr lang="en-US"/>
               <a:t>Click to edit Master text styles</a:t>
             </a:r>
           </a:p>
           <a:p>
             <a:pPr lvl="1"/>
             <a:r>
-              <a:rPr lang="en-US" smtClean="0"/>
+              <a:rPr lang="en-US"/>
               <a:t>Second level</a:t>
             </a:r>
           </a:p>
           <a:p>
             <a:pPr lvl="2"/>
             <a:r>
-              <a:rPr lang="en-US" smtClean="0"/>
+              <a:rPr lang="en-US"/>
               <a:t>Third level</a:t>
             </a:r>
           </a:p>
           <a:p>
             <a:pPr lvl="3"/>
             <a:r>
-              <a:rPr lang="en-US" smtClean="0"/>
+              <a:rPr lang="en-US"/>
               <a:t>Fourth level</a:t>
             </a:r>
           </a:p>
           <a:p>
             <a:pPr lvl="4"/>
             <a:r>
-              <a:rPr lang="en-US" smtClean="0"/>
+              <a:rPr lang="en-US"/>
               <a:t>Fifth level</a:t>
             </a:r>
-            <a:endParaRPr lang="en-US"/>
           </a:p>
         </p:txBody>
       </p:sp>
@@ -1832,38 +1824,37 @@
           <a:p>
             <a:pPr lvl="0"/>
             <a:r>
-              <a:rPr lang="en-US" smtClean="0"/>
+              <a:rPr lang="en-US"/>
               <a:t>Click to edit Master text styles</a:t>
             </a:r>
           </a:p>
           <a:p>
             <a:pPr lvl="1"/>
             <a:r>
-              <a:rPr lang="en-US" smtClean="0"/>
+              <a:rPr lang="en-US"/>
               <a:t>Second level</a:t>
             </a:r>
           </a:p>
           <a:p>
             <a:pPr lvl="2"/>
             <a:r>
-              <a:rPr lang="en-US" smtClean="0"/>
+              <a:rPr lang="en-US"/>
               <a:t>Third level</a:t>
             </a:r>
           </a:p>
           <a:p>
             <a:pPr lvl="3"/>
             <a:r>
-              <a:rPr lang="en-US" smtClean="0"/>
+              <a:rPr lang="en-US"/>
               <a:t>Fourth level</a:t>
             </a:r>
           </a:p>
           <a:p>
             <a:pPr lvl="4"/>
             <a:r>
-              <a:rPr lang="en-US" smtClean="0"/>
+              <a:rPr lang="en-US"/>
               <a:t>Fifth level</a:t>
             </a:r>
-            <a:endParaRPr lang="en-US"/>
           </a:p>
         </p:txBody>
       </p:sp>
@@ -1884,7 +1875,7 @@
           <a:p>
             <a:fld id="{A2B0D24E-6441-4C34-9150-7D417DBEA707}" type="datetimeFigureOut">
               <a:rPr lang="en-US" smtClean="0"/>
-              <a:t>11/13/2015</a:t>
+              <a:t>11/13/2017</a:t>
             </a:fld>
             <a:endParaRPr lang="en-US"/>
           </a:p>
@@ -1983,10 +1974,9 @@
           <a:lstStyle/>
           <a:p>
             <a:r>
-              <a:rPr lang="en-US" smtClean="0"/>
+              <a:rPr lang="en-US"/>
               <a:t>Click to edit Master title style</a:t>
             </a:r>
-            <a:endParaRPr lang="en-US"/>
           </a:p>
         </p:txBody>
       </p:sp>
@@ -2049,7 +2039,7 @@
           <a:p>
             <a:pPr lvl="0"/>
             <a:r>
-              <a:rPr lang="en-US" smtClean="0"/>
+              <a:rPr lang="en-US"/>
               <a:t>Click to edit Master text styles</a:t>
             </a:r>
           </a:p>
@@ -2077,38 +2067,37 @@
           <a:p>
             <a:pPr lvl="0"/>
             <a:r>
-              <a:rPr lang="en-US" smtClean="0"/>
+              <a:rPr lang="en-US"/>
               <a:t>Click to edit Master text styles</a:t>
             </a:r>
           </a:p>
           <a:p>
             <a:pPr lvl="1"/>
             <a:r>
-              <a:rPr lang="en-US" smtClean="0"/>
+              <a:rPr lang="en-US"/>
               <a:t>Second level</a:t>
             </a:r>
           </a:p>
           <a:p>
             <a:pPr lvl="2"/>
             <a:r>
-              <a:rPr lang="en-US" smtClean="0"/>
+              <a:rPr lang="en-US"/>
               <a:t>Third level</a:t>
             </a:r>
           </a:p>
           <a:p>
             <a:pPr lvl="3"/>
             <a:r>
-              <a:rPr lang="en-US" smtClean="0"/>
+              <a:rPr lang="en-US"/>
               <a:t>Fourth level</a:t>
             </a:r>
           </a:p>
           <a:p>
             <a:pPr lvl="4"/>
             <a:r>
-              <a:rPr lang="en-US" smtClean="0"/>
+              <a:rPr lang="en-US"/>
               <a:t>Fifth level</a:t>
             </a:r>
-            <a:endParaRPr lang="en-US"/>
           </a:p>
         </p:txBody>
       </p:sp>
@@ -2171,7 +2160,7 @@
           <a:p>
             <a:pPr lvl="0"/>
             <a:r>
-              <a:rPr lang="en-US" smtClean="0"/>
+              <a:rPr lang="en-US"/>
               <a:t>Click to edit Master text styles</a:t>
             </a:r>
           </a:p>
@@ -2199,38 +2188,37 @@
           <a:p>
             <a:pPr lvl="0"/>
             <a:r>
-              <a:rPr lang="en-US" smtClean="0"/>
+              <a:rPr lang="en-US"/>
               <a:t>Click to edit Master text styles</a:t>
             </a:r>
           </a:p>
           <a:p>
             <a:pPr lvl="1"/>
             <a:r>
-              <a:rPr lang="en-US" smtClean="0"/>
+              <a:rPr lang="en-US"/>
               <a:t>Second level</a:t>
             </a:r>
           </a:p>
           <a:p>
             <a:pPr lvl="2"/>
             <a:r>
-              <a:rPr lang="en-US" smtClean="0"/>
+              <a:rPr lang="en-US"/>
               <a:t>Third level</a:t>
             </a:r>
           </a:p>
           <a:p>
             <a:pPr lvl="3"/>
             <a:r>
-              <a:rPr lang="en-US" smtClean="0"/>
+              <a:rPr lang="en-US"/>
               <a:t>Fourth level</a:t>
             </a:r>
           </a:p>
           <a:p>
             <a:pPr lvl="4"/>
             <a:r>
-              <a:rPr lang="en-US" smtClean="0"/>
+              <a:rPr lang="en-US"/>
               <a:t>Fifth level</a:t>
             </a:r>
-            <a:endParaRPr lang="en-US"/>
           </a:p>
         </p:txBody>
       </p:sp>
@@ -2251,7 +2239,7 @@
           <a:p>
             <a:fld id="{A2B0D24E-6441-4C34-9150-7D417DBEA707}" type="datetimeFigureOut">
               <a:rPr lang="en-US" smtClean="0"/>
-              <a:t>11/13/2015</a:t>
+              <a:t>11/13/2017</a:t>
             </a:fld>
             <a:endParaRPr lang="en-US"/>
           </a:p>
@@ -2345,10 +2333,9 @@
           <a:lstStyle/>
           <a:p>
             <a:r>
-              <a:rPr lang="en-US" smtClean="0"/>
+              <a:rPr lang="en-US"/>
               <a:t>Click to edit Master title style</a:t>
             </a:r>
-            <a:endParaRPr lang="en-US"/>
           </a:p>
         </p:txBody>
       </p:sp>
@@ -2369,7 +2356,7 @@
           <a:p>
             <a:fld id="{A2B0D24E-6441-4C34-9150-7D417DBEA707}" type="datetimeFigureOut">
               <a:rPr lang="en-US" smtClean="0"/>
-              <a:t>11/13/2015</a:t>
+              <a:t>11/13/2017</a:t>
             </a:fld>
             <a:endParaRPr lang="en-US"/>
           </a:p>
@@ -2464,7 +2451,7 @@
           <a:p>
             <a:fld id="{A2B0D24E-6441-4C34-9150-7D417DBEA707}" type="datetimeFigureOut">
               <a:rPr lang="en-US" smtClean="0"/>
-              <a:t>11/13/2015</a:t>
+              <a:t>11/13/2017</a:t>
             </a:fld>
             <a:endParaRPr lang="en-US"/>
           </a:p>
@@ -2567,10 +2554,9 @@
           </a:lstStyle>
           <a:p>
             <a:r>
-              <a:rPr lang="en-US" smtClean="0"/>
+              <a:rPr lang="en-US"/>
               <a:t>Click to edit Master title style</a:t>
             </a:r>
-            <a:endParaRPr lang="en-US"/>
           </a:p>
         </p:txBody>
       </p:sp>
@@ -2624,38 +2610,37 @@
           <a:p>
             <a:pPr lvl="0"/>
             <a:r>
-              <a:rPr lang="en-US" smtClean="0"/>
+              <a:rPr lang="en-US"/>
               <a:t>Click to edit Master text styles</a:t>
             </a:r>
           </a:p>
           <a:p>
             <a:pPr lvl="1"/>
             <a:r>
-              <a:rPr lang="en-US" smtClean="0"/>
+              <a:rPr lang="en-US"/>
               <a:t>Second level</a:t>
             </a:r>
           </a:p>
           <a:p>
             <a:pPr lvl="2"/>
             <a:r>
-              <a:rPr lang="en-US" smtClean="0"/>
+              <a:rPr lang="en-US"/>
               <a:t>Third level</a:t>
             </a:r>
           </a:p>
           <a:p>
             <a:pPr lvl="3"/>
             <a:r>
-              <a:rPr lang="en-US" smtClean="0"/>
+              <a:rPr lang="en-US"/>
               <a:t>Fourth level</a:t>
             </a:r>
           </a:p>
           <a:p>
             <a:pPr lvl="4"/>
             <a:r>
-              <a:rPr lang="en-US" smtClean="0"/>
+              <a:rPr lang="en-US"/>
               <a:t>Fifth level</a:t>
             </a:r>
-            <a:endParaRPr lang="en-US"/>
           </a:p>
         </p:txBody>
       </p:sp>
@@ -2718,7 +2703,7 @@
           <a:p>
             <a:pPr lvl="0"/>
             <a:r>
-              <a:rPr lang="en-US" smtClean="0"/>
+              <a:rPr lang="en-US"/>
               <a:t>Click to edit Master text styles</a:t>
             </a:r>
           </a:p>
@@ -2741,7 +2726,7 @@
           <a:p>
             <a:fld id="{A2B0D24E-6441-4C34-9150-7D417DBEA707}" type="datetimeFigureOut">
               <a:rPr lang="en-US" smtClean="0"/>
-              <a:t>11/13/2015</a:t>
+              <a:t>11/13/2017</a:t>
             </a:fld>
             <a:endParaRPr lang="en-US"/>
           </a:p>
@@ -2844,10 +2829,9 @@
           </a:lstStyle>
           <a:p>
             <a:r>
-              <a:rPr lang="en-US" smtClean="0"/>
+              <a:rPr lang="en-US"/>
               <a:t>Click to edit Master title style</a:t>
             </a:r>
-            <a:endParaRPr lang="en-US"/>
           </a:p>
         </p:txBody>
       </p:sp>
@@ -2971,7 +2955,7 @@
           <a:p>
             <a:pPr lvl="0"/>
             <a:r>
-              <a:rPr lang="en-US" smtClean="0"/>
+              <a:rPr lang="en-US"/>
               <a:t>Click to edit Master text styles</a:t>
             </a:r>
           </a:p>
@@ -2994,7 +2978,7 @@
           <a:p>
             <a:fld id="{A2B0D24E-6441-4C34-9150-7D417DBEA707}" type="datetimeFigureOut">
               <a:rPr lang="en-US" smtClean="0"/>
-              <a:t>11/13/2015</a:t>
+              <a:t>11/13/2017</a:t>
             </a:fld>
             <a:endParaRPr lang="en-US"/>
           </a:p>
@@ -3103,10 +3087,9 @@
           <a:lstStyle/>
           <a:p>
             <a:r>
-              <a:rPr lang="en-US" smtClean="0"/>
+              <a:rPr lang="en-US"/>
               <a:t>Click to edit Master title style</a:t>
             </a:r>
-            <a:endParaRPr lang="en-US"/>
           </a:p>
         </p:txBody>
       </p:sp>
@@ -3137,38 +3120,37 @@
           <a:p>
             <a:pPr lvl="0"/>
             <a:r>
-              <a:rPr lang="en-US" smtClean="0"/>
+              <a:rPr lang="en-US"/>
               <a:t>Click to edit Master text styles</a:t>
             </a:r>
           </a:p>
           <a:p>
             <a:pPr lvl="1"/>
             <a:r>
-              <a:rPr lang="en-US" smtClean="0"/>
+              <a:rPr lang="en-US"/>
               <a:t>Second level</a:t>
             </a:r>
           </a:p>
           <a:p>
             <a:pPr lvl="2"/>
             <a:r>
-              <a:rPr lang="en-US" smtClean="0"/>
+              <a:rPr lang="en-US"/>
               <a:t>Third level</a:t>
             </a:r>
           </a:p>
           <a:p>
             <a:pPr lvl="3"/>
             <a:r>
-              <a:rPr lang="en-US" smtClean="0"/>
+              <a:rPr lang="en-US"/>
               <a:t>Fourth level</a:t>
             </a:r>
           </a:p>
           <a:p>
             <a:pPr lvl="4"/>
             <a:r>
-              <a:rPr lang="en-US" smtClean="0"/>
+              <a:rPr lang="en-US"/>
               <a:t>Fifth level</a:t>
             </a:r>
-            <a:endParaRPr lang="en-US"/>
           </a:p>
         </p:txBody>
       </p:sp>
@@ -3207,7 +3189,7 @@
           <a:p>
             <a:fld id="{A2B0D24E-6441-4C34-9150-7D417DBEA707}" type="datetimeFigureOut">
               <a:rPr lang="en-US" smtClean="0"/>
-              <a:t>11/13/2015</a:t>
+              <a:t>11/13/2017</a:t>
             </a:fld>
             <a:endParaRPr lang="en-US"/>
           </a:p>
@@ -3627,21 +3609,25 @@
         </p:nvSpPr>
         <p:spPr>
           <a:xfrm>
-            <a:off x="1759392" y="247431"/>
+            <a:off x="1759392" y="70969"/>
             <a:ext cx="8691327" cy="2387600"/>
           </a:xfrm>
         </p:spPr>
         <p:txBody>
           <a:bodyPr anchor="ctr">
-            <a:normAutofit/>
+            <a:noAutofit/>
           </a:bodyPr>
           <a:lstStyle/>
           <a:p>
             <a:r>
-              <a:rPr lang="en-US" sz="7300" dirty="0" smtClean="0"/>
+              <a:rPr lang="en-US" sz="6600" dirty="0">
+                <a:solidFill>
+                  <a:prstClr val="black"/>
+                </a:solidFill>
+              </a:rPr>
               <a:t>Full Stack REST</a:t>
             </a:r>
-            <a:endParaRPr lang="en-US" dirty="0"/>
+            <a:endParaRPr lang="en-US" sz="4800" dirty="0"/>
           </a:p>
         </p:txBody>
       </p:sp>
@@ -3660,48 +3646,54 @@
         </p:nvSpPr>
         <p:spPr>
           <a:xfrm>
-            <a:off x="2676052" y="2693397"/>
+            <a:off x="2676052" y="2440462"/>
             <a:ext cx="6858000" cy="1655763"/>
           </a:xfrm>
         </p:spPr>
         <p:txBody>
           <a:bodyPr>
-            <a:normAutofit lnSpcReduction="10000"/>
+            <a:normAutofit fontScale="92500" lnSpcReduction="20000"/>
           </a:bodyPr>
           <a:lstStyle/>
           <a:p>
             <a:r>
-              <a:rPr lang="en-US" dirty="0" smtClean="0"/>
-              <a:t>Jimmy Bogard</a:t>
-            </a:r>
-          </a:p>
-          <a:p>
-            <a:r>
-              <a:rPr lang="en-US" dirty="0" smtClean="0"/>
+              <a:rPr lang="en-US" sz="2800" dirty="0"/>
+              <a:t>Jimmy </a:t>
+            </a:r>
+            <a:r>
+              <a:rPr lang="en-US" sz="2800" dirty="0" err="1"/>
+              <a:t>Bogard</a:t>
+            </a:r>
+            <a:endParaRPr lang="en-US" sz="2800" dirty="0"/>
+          </a:p>
+          <a:p>
+            <a:r>
+              <a:rPr lang="en-US" sz="2800" dirty="0"/>
               <a:t>@</a:t>
             </a:r>
             <a:r>
-              <a:rPr lang="en-US" dirty="0" err="1" smtClean="0"/>
+              <a:rPr lang="en-US" sz="2800" dirty="0" err="1"/>
               <a:t>jbogard</a:t>
             </a:r>
-            <a:endParaRPr lang="en-US" dirty="0" smtClean="0"/>
-          </a:p>
-          <a:p>
-            <a:r>
-              <a:rPr lang="en-US" dirty="0" smtClean="0"/>
+            <a:endParaRPr lang="en-US" sz="2800" dirty="0"/>
+          </a:p>
+          <a:p>
+            <a:r>
+              <a:rPr lang="en-US" sz="2800" dirty="0"/>
               <a:t>github.com/</a:t>
             </a:r>
             <a:r>
-              <a:rPr lang="en-US" dirty="0" err="1" smtClean="0"/>
+              <a:rPr lang="en-US" sz="2800" dirty="0" err="1"/>
               <a:t>jbogard</a:t>
             </a:r>
-            <a:endParaRPr lang="en-US" dirty="0" smtClean="0"/>
-          </a:p>
-          <a:p>
-            <a:r>
-              <a:rPr lang="en-US" dirty="0" smtClean="0"/>
-              <a:t>jimmybogard.lostechies.com</a:t>
-            </a:r>
+            <a:endParaRPr lang="en-US" sz="2800" dirty="0"/>
+          </a:p>
+          <a:p>
+            <a:r>
+              <a:rPr lang="en-US" sz="2800" dirty="0" err="1"/>
+              <a:t>jimmybogard.com</a:t>
+            </a:r>
+            <a:endParaRPr lang="en-US" sz="2800" dirty="0"/>
           </a:p>
         </p:txBody>
       </p:sp>
@@ -3728,7 +3720,7 @@
         </p:blipFill>
         <p:spPr bwMode="auto">
           <a:xfrm>
-            <a:off x="8196652" y="4608974"/>
+            <a:off x="1411730" y="4632329"/>
             <a:ext cx="1095375" cy="1714500"/>
           </a:xfrm>
           <a:prstGeom prst="rect">
@@ -3769,7 +3761,7 @@
         </p:blipFill>
         <p:spPr bwMode="auto">
           <a:xfrm>
-            <a:off x="2271097" y="4773831"/>
+            <a:off x="2106433" y="5489579"/>
             <a:ext cx="6047539" cy="733425"/>
           </a:xfrm>
           <a:prstGeom prst="rect">
@@ -3810,7 +3802,7 @@
         </p:blipFill>
         <p:spPr bwMode="auto">
           <a:xfrm>
-            <a:off x="3357948" y="5920757"/>
+            <a:off x="7410973" y="4783848"/>
             <a:ext cx="3733800" cy="382377"/>
           </a:xfrm>
           <a:prstGeom prst="rect">
@@ -3828,26 +3820,108 @@
           </a:extLst>
         </p:spPr>
       </p:pic>
+      <p:pic>
+        <p:nvPicPr>
+          <p:cNvPr id="10" name="Picture 2" descr="http://storage.pardot.com/52582/22896/headspring_weblogo.png"/>
+          <p:cNvPicPr>
+            <a:picLocks noChangeAspect="1" noChangeArrowheads="1"/>
+          </p:cNvPicPr>
+          <p:nvPr/>
+        </p:nvPicPr>
+        <p:blipFill>
+          <a:blip r:embed="rId9">
+            <a:extLst>
+              <a:ext uri="{28A0092B-C50C-407E-A947-70E740481C1C}">
+                <a14:useLocalDpi xmlns:a14="http://schemas.microsoft.com/office/drawing/2010/main" val="0"/>
+              </a:ext>
+            </a:extLst>
+          </a:blip>
+          <a:srcRect/>
+          <a:stretch>
+            <a:fillRect/>
+          </a:stretch>
+        </p:blipFill>
+        <p:spPr bwMode="auto">
+          <a:xfrm>
+            <a:off x="3310440" y="4685622"/>
+            <a:ext cx="3183567" cy="578830"/>
+          </a:xfrm>
+          <a:prstGeom prst="rect">
+            <a:avLst/>
+          </a:prstGeom>
+          <a:noFill/>
+          <a:extLst>
+            <a:ext uri="{909E8E84-426E-40DD-AFC4-6F175D3DCCD1}">
+              <a14:hiddenFill xmlns:a14="http://schemas.microsoft.com/office/drawing/2010/main">
+                <a:solidFill>
+                  <a:srgbClr val="FFFFFF"/>
+                </a:solidFill>
+              </a14:hiddenFill>
+            </a:ext>
+          </a:extLst>
+        </p:spPr>
+      </p:pic>
+      <p:pic>
+        <p:nvPicPr>
+          <p:cNvPr id="4" name="Picture 3"/>
+          <p:cNvPicPr>
+            <a:picLocks noChangeAspect="1"/>
+          </p:cNvPicPr>
+          <p:nvPr/>
+        </p:nvPicPr>
+        <p:blipFill>
+          <a:blip r:embed="rId10"/>
+          <a:stretch>
+            <a:fillRect/>
+          </a:stretch>
+        </p:blipFill>
+        <p:spPr>
+          <a:xfrm>
+            <a:off x="7996760" y="5405709"/>
+            <a:ext cx="1052054" cy="1052054"/>
+          </a:xfrm>
+          <a:prstGeom prst="rect">
+            <a:avLst/>
+          </a:prstGeom>
+        </p:spPr>
+      </p:pic>
+      <p:pic>
+        <p:nvPicPr>
+          <p:cNvPr id="5" name="Picture 4"/>
+          <p:cNvPicPr>
+            <a:picLocks noChangeAspect="1"/>
+          </p:cNvPicPr>
+          <p:nvPr/>
+        </p:nvPicPr>
+        <p:blipFill>
+          <a:blip r:embed="rId11"/>
+          <a:stretch>
+            <a:fillRect/>
+          </a:stretch>
+        </p:blipFill>
+        <p:spPr>
+          <a:xfrm>
+            <a:off x="9534052" y="5489579"/>
+            <a:ext cx="916667" cy="916667"/>
+          </a:xfrm>
+          <a:prstGeom prst="rect">
+            <a:avLst/>
+          </a:prstGeom>
+        </p:spPr>
+      </p:pic>
     </p:spTree>
     <p:custDataLst>
       <p:tags r:id="rId1"/>
     </p:custDataLst>
     <p:extLst>
       <p:ext uri="{BB962C8B-B14F-4D97-AF65-F5344CB8AC3E}">
-        <p14:creationId xmlns:p14="http://schemas.microsoft.com/office/powerpoint/2010/main" val="840177479"/>
+        <p14:creationId xmlns:p14="http://schemas.microsoft.com/office/powerpoint/2010/main" val="2844541287"/>
       </p:ext>
     </p:extLst>
   </p:cSld>
   <p:clrMapOvr>
     <a:masterClrMapping/>
   </p:clrMapOvr>
-  <p:timing>
-    <p:tnLst>
-      <p:par>
-        <p:cTn id="1" dur="indefinite" restart="never" nodeType="tmRoot"/>
-      </p:par>
-    </p:tnLst>
-  </p:timing>
 </p:sld>
 </file>
 
@@ -3891,10 +3965,9 @@
           <a:lstStyle/>
           <a:p>
             <a:r>
-              <a:rPr lang="en-US" dirty="0" smtClean="0"/>
+              <a:rPr lang="en-US" dirty="0"/>
               <a:t>Where is hypermedia applicable?</a:t>
             </a:r>
-            <a:endParaRPr lang="en-US" dirty="0"/>
           </a:p>
         </p:txBody>
       </p:sp>
@@ -3908,13 +3981,6 @@
   <p:clrMapOvr>
     <a:masterClrMapping/>
   </p:clrMapOvr>
-  <p:timing>
-    <p:tnLst>
-      <p:par>
-        <p:cTn id="1" dur="indefinite" restart="never" nodeType="tmRoot"/>
-      </p:par>
-    </p:tnLst>
-  </p:timing>
 </p:sld>
 </file>
 
@@ -3951,10 +4017,9 @@
           <a:lstStyle/>
           <a:p>
             <a:r>
-              <a:rPr lang="en-US" dirty="0" smtClean="0"/>
+              <a:rPr lang="en-US" dirty="0"/>
               <a:t>Normal app – probably not</a:t>
             </a:r>
-            <a:endParaRPr lang="en-US" dirty="0"/>
           </a:p>
         </p:txBody>
       </p:sp>
@@ -3995,10 +4060,9 @@
           <a:p>
             <a:pPr algn="ctr"/>
             <a:r>
-              <a:rPr lang="en-US" sz="2800" dirty="0" smtClean="0"/>
+              <a:rPr lang="en-US" sz="2800" dirty="0"/>
               <a:t>Server</a:t>
             </a:r>
-            <a:endParaRPr lang="en-US" sz="2800" dirty="0"/>
           </a:p>
         </p:txBody>
       </p:sp>
@@ -4039,10 +4103,9 @@
           <a:p>
             <a:pPr algn="ctr"/>
             <a:r>
-              <a:rPr lang="en-US" sz="2800" dirty="0" smtClean="0"/>
+              <a:rPr lang="en-US" sz="2800" dirty="0"/>
               <a:t>Browser</a:t>
             </a:r>
-            <a:endParaRPr lang="en-US" sz="2800" dirty="0"/>
           </a:p>
         </p:txBody>
       </p:sp>
@@ -4109,10 +4172,9 @@
           <a:lstStyle/>
           <a:p>
             <a:r>
-              <a:rPr lang="en-US" sz="2800" dirty="0" smtClean="0"/>
+              <a:rPr lang="en-US" sz="2800" dirty="0"/>
               <a:t>HTML</a:t>
             </a:r>
-            <a:endParaRPr lang="en-US" sz="2800" dirty="0"/>
           </a:p>
         </p:txBody>
       </p:sp>
@@ -4139,10 +4201,9 @@
           <a:lstStyle/>
           <a:p>
             <a:r>
-              <a:rPr lang="en-US" sz="2800" dirty="0" smtClean="0"/>
+              <a:rPr lang="en-US" sz="2800" dirty="0"/>
               <a:t>JavaScript</a:t>
             </a:r>
-            <a:endParaRPr lang="en-US" sz="2800" dirty="0"/>
           </a:p>
         </p:txBody>
       </p:sp>
@@ -4250,10 +4311,9 @@
           <a:lstStyle/>
           <a:p>
             <a:r>
-              <a:rPr lang="en-US" sz="2800" dirty="0" smtClean="0"/>
+              <a:rPr lang="en-US" sz="2800" dirty="0"/>
               <a:t>AJAX</a:t>
             </a:r>
-            <a:endParaRPr lang="en-US" sz="2800" dirty="0"/>
           </a:p>
         </p:txBody>
       </p:sp>
@@ -4267,13 +4327,6 @@
   <p:clrMapOvr>
     <a:masterClrMapping/>
   </p:clrMapOvr>
-  <p:timing>
-    <p:tnLst>
-      <p:par>
-        <p:cTn id="1" dur="indefinite" restart="never" nodeType="tmRoot"/>
-      </p:par>
-    </p:tnLst>
-  </p:timing>
 </p:sld>
 </file>
 
@@ -4310,10 +4363,9 @@
           <a:lstStyle/>
           <a:p>
             <a:r>
-              <a:rPr lang="en-US" dirty="0" smtClean="0"/>
+              <a:rPr lang="en-US" dirty="0"/>
               <a:t>Disparate clients - yes</a:t>
             </a:r>
-            <a:endParaRPr lang="en-US" dirty="0"/>
           </a:p>
         </p:txBody>
       </p:sp>
@@ -4354,10 +4406,9 @@
           <a:p>
             <a:pPr algn="ctr"/>
             <a:r>
-              <a:rPr lang="en-US" sz="3200" dirty="0" smtClean="0"/>
+              <a:rPr lang="en-US" sz="3200" dirty="0"/>
               <a:t>Server</a:t>
             </a:r>
-            <a:endParaRPr lang="en-US" sz="3200" dirty="0"/>
           </a:p>
         </p:txBody>
       </p:sp>
@@ -4398,10 +4449,9 @@
           <a:p>
             <a:pPr algn="ctr"/>
             <a:r>
-              <a:rPr lang="en-US" sz="3200" dirty="0" smtClean="0"/>
+              <a:rPr lang="en-US" sz="3200" dirty="0"/>
               <a:t>App V1</a:t>
             </a:r>
-            <a:endParaRPr lang="en-US" sz="3200" dirty="0"/>
           </a:p>
         </p:txBody>
       </p:sp>
@@ -4523,10 +4573,9 @@
           <a:p>
             <a:pPr algn="ctr"/>
             <a:r>
-              <a:rPr lang="en-US" sz="3200" dirty="0" smtClean="0"/>
+              <a:rPr lang="en-US" sz="3200" dirty="0"/>
               <a:t>App V2</a:t>
             </a:r>
-            <a:endParaRPr lang="en-US" sz="3200" dirty="0"/>
           </a:p>
         </p:txBody>
       </p:sp>
@@ -4621,13 +4670,6 @@
   <p:clrMapOvr>
     <a:masterClrMapping/>
   </p:clrMapOvr>
-  <p:timing>
-    <p:tnLst>
-      <p:par>
-        <p:cTn id="1" dur="indefinite" restart="never" nodeType="tmRoot"/>
-      </p:par>
-    </p:tnLst>
-  </p:timing>
 </p:sld>
 </file>
 
@@ -4664,10 +4706,9 @@
           <a:lstStyle/>
           <a:p>
             <a:r>
-              <a:rPr lang="en-US" dirty="0" smtClean="0"/>
+              <a:rPr lang="en-US" dirty="0"/>
               <a:t>Disparate servers - yes</a:t>
             </a:r>
-            <a:endParaRPr lang="en-US" dirty="0"/>
           </a:p>
         </p:txBody>
       </p:sp>
@@ -4708,10 +4749,9 @@
           <a:p>
             <a:pPr algn="ctr"/>
             <a:r>
-              <a:rPr lang="en-US" sz="2400" dirty="0" smtClean="0"/>
+              <a:rPr lang="en-US" sz="2400" dirty="0"/>
               <a:t>Server V1</a:t>
             </a:r>
-            <a:endParaRPr lang="en-US" sz="2400" dirty="0"/>
           </a:p>
         </p:txBody>
       </p:sp>
@@ -4835,10 +4875,9 @@
           <a:p>
             <a:pPr algn="ctr"/>
             <a:r>
-              <a:rPr lang="en-US" sz="2800" dirty="0" smtClean="0"/>
+              <a:rPr lang="en-US" sz="2800" dirty="0"/>
               <a:t>App</a:t>
             </a:r>
-            <a:endParaRPr lang="en-US" sz="2800" dirty="0"/>
           </a:p>
         </p:txBody>
       </p:sp>
@@ -4960,10 +4999,9 @@
           <a:p>
             <a:pPr algn="ctr"/>
             <a:r>
-              <a:rPr lang="en-US" sz="2400" dirty="0" smtClean="0"/>
+              <a:rPr lang="en-US" sz="2400" dirty="0"/>
               <a:t>Server V2</a:t>
             </a:r>
-            <a:endParaRPr lang="en-US" sz="2400" dirty="0"/>
           </a:p>
         </p:txBody>
       </p:sp>
@@ -4977,13 +5015,6 @@
   <p:clrMapOvr>
     <a:masterClrMapping/>
   </p:clrMapOvr>
-  <p:timing>
-    <p:tnLst>
-      <p:par>
-        <p:cTn id="1" dur="indefinite" restart="never" nodeType="tmRoot"/>
-      </p:par>
-    </p:tnLst>
-  </p:timing>
 </p:sld>
 </file>
 
@@ -5020,10 +5051,9 @@
           <a:lstStyle/>
           <a:p>
             <a:r>
-              <a:rPr lang="en-US" dirty="0" smtClean="0"/>
+              <a:rPr lang="en-US" dirty="0"/>
               <a:t>Mobile apps - perhaps</a:t>
             </a:r>
-            <a:endParaRPr lang="en-US" dirty="0"/>
           </a:p>
         </p:txBody>
       </p:sp>
@@ -5064,10 +5094,9 @@
           <a:p>
             <a:pPr algn="ctr"/>
             <a:r>
-              <a:rPr lang="en-US" sz="2800" dirty="0" smtClean="0"/>
+              <a:rPr lang="en-US" sz="2800" dirty="0"/>
               <a:t>Server</a:t>
             </a:r>
-            <a:endParaRPr lang="en-US" sz="2800" dirty="0"/>
           </a:p>
         </p:txBody>
       </p:sp>
@@ -5108,10 +5137,9 @@
           <a:p>
             <a:pPr algn="ctr"/>
             <a:r>
-              <a:rPr lang="en-US" sz="2800" dirty="0" smtClean="0"/>
+              <a:rPr lang="en-US" sz="2800" dirty="0"/>
               <a:t>Mobile Device</a:t>
             </a:r>
-            <a:endParaRPr lang="en-US" sz="2800" dirty="0"/>
           </a:p>
         </p:txBody>
       </p:sp>
@@ -5260,10 +5288,9 @@
           <a:lstStyle/>
           <a:p>
             <a:r>
-              <a:rPr lang="en-US" sz="2400" dirty="0" smtClean="0"/>
+              <a:rPr lang="en-US" sz="2400" dirty="0"/>
               <a:t>AJAX</a:t>
             </a:r>
-            <a:endParaRPr lang="en-US" sz="2400" dirty="0"/>
           </a:p>
         </p:txBody>
       </p:sp>
@@ -5304,10 +5331,9 @@
           <a:p>
             <a:pPr algn="ctr"/>
             <a:r>
-              <a:rPr lang="en-US" sz="2400" dirty="0" smtClean="0"/>
+              <a:rPr lang="en-US" sz="2400" dirty="0"/>
               <a:t>App Store</a:t>
             </a:r>
-            <a:endParaRPr lang="en-US" sz="2400" dirty="0"/>
           </a:p>
         </p:txBody>
       </p:sp>
@@ -5334,7 +5360,7 @@
           <a:lstStyle/>
           <a:p>
             <a:r>
-              <a:rPr lang="en-US" sz="2400" dirty="0" err="1" smtClean="0"/>
+              <a:rPr lang="en-US" sz="2400" dirty="0" err="1"/>
               <a:t>App.ipa</a:t>
             </a:r>
             <a:endParaRPr lang="en-US" sz="2400" dirty="0"/>
@@ -5351,13 +5377,6 @@
   <p:clrMapOvr>
     <a:masterClrMapping/>
   </p:clrMapOvr>
-  <p:timing>
-    <p:tnLst>
-      <p:par>
-        <p:cTn id="1" dur="indefinite" restart="never" nodeType="tmRoot"/>
-      </p:par>
-    </p:tnLst>
-  </p:timing>
 </p:sld>
 </file>
 
@@ -5401,24 +5420,19 @@
           <a:lstStyle/>
           <a:p>
             <a:r>
-              <a:rPr lang="en-US" dirty="0" smtClean="0"/>
+              <a:rPr lang="en-US" dirty="0"/>
               <a:t>Common theme:</a:t>
-            </a:r>
-            <a:br>
-              <a:rPr lang="en-US" dirty="0" smtClean="0"/>
-            </a:br>
-            <a:r>
-              <a:rPr lang="en-US" dirty="0"/>
-              <a:t/>
             </a:r>
             <a:br>
               <a:rPr lang="en-US" dirty="0"/>
             </a:br>
-            <a:r>
-              <a:rPr lang="en-US" dirty="0" smtClean="0"/>
+            <a:br>
+              <a:rPr lang="en-US" dirty="0"/>
+            </a:br>
+            <a:r>
+              <a:rPr lang="en-US" dirty="0"/>
               <a:t>Client/server developed/deployed independently</a:t>
             </a:r>
-            <a:endParaRPr lang="en-US" dirty="0"/>
           </a:p>
         </p:txBody>
       </p:sp>
@@ -5432,13 +5446,6 @@
   <p:clrMapOvr>
     <a:masterClrMapping/>
   </p:clrMapOvr>
-  <p:timing>
-    <p:tnLst>
-      <p:par>
-        <p:cTn id="1" dur="indefinite" restart="never" nodeType="tmRoot"/>
-      </p:par>
-    </p:tnLst>
-  </p:timing>
 </p:sld>
 </file>
 
@@ -5477,10 +5484,9 @@
           <a:lstStyle/>
           <a:p>
             <a:r>
-              <a:rPr lang="en-US" dirty="0" smtClean="0"/>
+              <a:rPr lang="en-US" dirty="0"/>
               <a:t>Choosing a hypermedia format</a:t>
             </a:r>
-            <a:endParaRPr lang="en-US" dirty="0"/>
           </a:p>
         </p:txBody>
       </p:sp>
@@ -5502,7 +5508,7 @@
           <a:lstStyle/>
           <a:p>
             <a:r>
-              <a:rPr lang="en-US" sz="3600" dirty="0" smtClean="0"/>
+              <a:rPr lang="en-US" sz="3600" dirty="0"/>
               <a:t>Build your own</a:t>
             </a:r>
           </a:p>
@@ -5511,7 +5517,7 @@
           </a:p>
           <a:p>
             <a:r>
-              <a:rPr lang="en-US" sz="3600" dirty="0" smtClean="0"/>
+              <a:rPr lang="en-US" sz="3600" dirty="0"/>
               <a:t>Pick a standard</a:t>
             </a:r>
           </a:p>
@@ -5520,10 +5526,9 @@
           </a:p>
           <a:p>
             <a:r>
-              <a:rPr lang="en-US" sz="3600" dirty="0" smtClean="0"/>
+              <a:rPr lang="en-US" sz="3600" dirty="0"/>
               <a:t>Hybrid – pick a standard and extend</a:t>
             </a:r>
-            <a:endParaRPr lang="en-US" sz="3600" dirty="0"/>
           </a:p>
         </p:txBody>
       </p:sp>
@@ -5537,13 +5542,6 @@
   <p:clrMapOvr>
     <a:masterClrMapping/>
   </p:clrMapOvr>
-  <p:timing>
-    <p:tnLst>
-      <p:par>
-        <p:cTn id="1" dur="indefinite" restart="never" nodeType="tmRoot"/>
-      </p:par>
-    </p:tnLst>
-  </p:timing>
 </p:sld>
 </file>
 
@@ -5588,11 +5586,7 @@
           <a:p>
             <a:r>
               <a:rPr lang="en-US" dirty="0" err="1"/>
-              <a:t>c</a:t>
-            </a:r>
-            <a:r>
-              <a:rPr lang="en-US" dirty="0" err="1" smtClean="0"/>
-              <a:t>ollection+json</a:t>
+              <a:t>collection+json</a:t>
             </a:r>
             <a:endParaRPr lang="en-US" dirty="0"/>
           </a:p>
@@ -5608,13 +5602,6 @@
   <p:clrMapOvr>
     <a:masterClrMapping/>
   </p:clrMapOvr>
-  <p:timing>
-    <p:tnLst>
-      <p:par>
-        <p:cTn id="1" dur="indefinite" restart="never" nodeType="tmRoot"/>
-      </p:par>
-    </p:tnLst>
-  </p:timing>
 </p:sld>
 </file>
 
@@ -5671,13 +5658,6 @@
   <p:clrMapOvr>
     <a:masterClrMapping/>
   </p:clrMapOvr>
-  <p:timing>
-    <p:tnLst>
-      <p:par>
-        <p:cTn id="1" dur="indefinite" restart="never" nodeType="tmRoot"/>
-      </p:par>
-    </p:tnLst>
-  </p:timing>
 </p:sld>
 </file>
 
@@ -5732,13 +5712,6 @@
   <p:clrMapOvr>
     <a:masterClrMapping/>
   </p:clrMapOvr>
-  <p:timing>
-    <p:tnLst>
-      <p:par>
-        <p:cTn id="1" dur="indefinite" restart="never" nodeType="tmRoot"/>
-      </p:par>
-    </p:tnLst>
-  </p:timing>
 </p:sld>
 </file>
 
@@ -5782,24 +5755,19 @@
           <a:lstStyle/>
           <a:p>
             <a:r>
-              <a:rPr lang="en-US" dirty="0" smtClean="0"/>
+              <a:rPr lang="en-US" dirty="0"/>
               <a:t>REST: the good parts</a:t>
-            </a:r>
-            <a:br>
-              <a:rPr lang="en-US" dirty="0" smtClean="0"/>
-            </a:br>
-            <a:r>
-              <a:rPr lang="en-US" dirty="0"/>
-              <a:t/>
             </a:r>
             <a:br>
               <a:rPr lang="en-US" dirty="0"/>
             </a:br>
-            <a:r>
-              <a:rPr lang="en-US" dirty="0" smtClean="0"/>
+            <a:br>
+              <a:rPr lang="en-US" dirty="0"/>
+            </a:br>
+            <a:r>
+              <a:rPr lang="en-US" dirty="0"/>
               <a:t>Hypermedia</a:t>
             </a:r>
-            <a:endParaRPr lang="en-US" dirty="0"/>
           </a:p>
         </p:txBody>
       </p:sp>
@@ -5813,13 +5781,6 @@
   <p:clrMapOvr>
     <a:masterClrMapping/>
   </p:clrMapOvr>
-  <p:timing>
-    <p:tnLst>
-      <p:par>
-        <p:cTn id="1" dur="indefinite" restart="never" nodeType="tmRoot"/>
-      </p:par>
-    </p:tnLst>
-  </p:timing>
 </p:sld>
 </file>
 
@@ -5874,13 +5835,6 @@
   <p:clrMapOvr>
     <a:masterClrMapping/>
   </p:clrMapOvr>
-  <p:timing>
-    <p:tnLst>
-      <p:par>
-        <p:cTn id="1" dur="indefinite" restart="never" nodeType="tmRoot"/>
-      </p:par>
-    </p:tnLst>
-  </p:timing>
 </p:sld>
 </file>
 
@@ -5917,10 +5871,9 @@
           <a:lstStyle/>
           <a:p>
             <a:r>
-              <a:rPr lang="en-US" dirty="0" smtClean="0"/>
+              <a:rPr lang="en-US" dirty="0"/>
               <a:t>Why React?</a:t>
             </a:r>
-            <a:endParaRPr lang="en-US" dirty="0"/>
           </a:p>
         </p:txBody>
       </p:sp>
@@ -5953,13 +5906,6 @@
   <p:clrMapOvr>
     <a:masterClrMapping/>
   </p:clrMapOvr>
-  <p:timing>
-    <p:tnLst>
-      <p:par>
-        <p:cTn id="1" dur="indefinite" restart="never" nodeType="tmRoot"/>
-      </p:par>
-    </p:tnLst>
-  </p:timing>
 </p:sld>
 </file>
 
@@ -6072,13 +6018,6 @@
   <p:clrMapOvr>
     <a:masterClrMapping/>
   </p:clrMapOvr>
-  <p:timing>
-    <p:tnLst>
-      <p:par>
-        <p:cTn id="1" dur="indefinite" restart="never" nodeType="tmRoot"/>
-      </p:par>
-    </p:tnLst>
-  </p:timing>
 </p:sld>
 </file>
 
@@ -6191,13 +6130,6 @@
   <p:clrMapOvr>
     <a:masterClrMapping/>
   </p:clrMapOvr>
-  <p:timing>
-    <p:tnLst>
-      <p:par>
-        <p:cTn id="1" dur="indefinite" restart="never" nodeType="tmRoot"/>
-      </p:par>
-    </p:tnLst>
-  </p:timing>
 </p:sld>
 </file>
 
@@ -6310,13 +6242,6 @@
   <p:clrMapOvr>
     <a:masterClrMapping/>
   </p:clrMapOvr>
-  <p:timing>
-    <p:tnLst>
-      <p:par>
-        <p:cTn id="1" dur="indefinite" restart="never" nodeType="tmRoot"/>
-      </p:par>
-    </p:tnLst>
-  </p:timing>
 </p:sld>
 </file>
 
@@ -6353,10 +6278,9 @@
           <a:lstStyle/>
           <a:p>
             <a:r>
-              <a:rPr lang="en-US" dirty="0" smtClean="0"/>
+              <a:rPr lang="en-US" dirty="0"/>
               <a:t>POST-Redirect-GET</a:t>
             </a:r>
-            <a:endParaRPr lang="en-US" dirty="0"/>
           </a:p>
         </p:txBody>
       </p:sp>
@@ -6397,10 +6321,9 @@
           <a:p>
             <a:pPr algn="ctr"/>
             <a:r>
-              <a:rPr lang="en-US" sz="2800" dirty="0" smtClean="0"/>
+              <a:rPr lang="en-US" sz="2800" dirty="0"/>
               <a:t>MVC</a:t>
             </a:r>
-            <a:endParaRPr lang="en-US" sz="2800" dirty="0"/>
           </a:p>
         </p:txBody>
       </p:sp>
@@ -6441,10 +6364,9 @@
           <a:p>
             <a:pPr algn="ctr"/>
             <a:r>
-              <a:rPr lang="en-US" sz="2800" dirty="0" smtClean="0"/>
+              <a:rPr lang="en-US" sz="2800" dirty="0"/>
               <a:t>Browser</a:t>
             </a:r>
-            <a:endParaRPr lang="en-US" sz="2800" dirty="0"/>
           </a:p>
         </p:txBody>
       </p:sp>
@@ -6548,14 +6470,14 @@
           <a:p>
             <a:pPr algn="ctr"/>
             <a:r>
-              <a:rPr lang="en-US" sz="2800" dirty="0" smtClean="0"/>
+              <a:rPr lang="en-US" sz="2800" dirty="0"/>
               <a:t>POST</a:t>
             </a:r>
           </a:p>
           <a:p>
             <a:pPr algn="ctr"/>
             <a:r>
-              <a:rPr lang="en-US" dirty="0" smtClean="0"/>
+              <a:rPr lang="en-US" dirty="0"/>
               <a:t>/student</a:t>
             </a:r>
             <a:endParaRPr lang="en-US" sz="2800" dirty="0"/>
@@ -6621,16 +6543,15 @@
           <a:lstStyle/>
           <a:p>
             <a:r>
-              <a:rPr lang="en-US" dirty="0" smtClean="0"/>
+              <a:rPr lang="en-US" dirty="0"/>
               <a:t>302 Found</a:t>
             </a:r>
           </a:p>
           <a:p>
             <a:r>
-              <a:rPr lang="en-US" dirty="0" smtClean="0"/>
+              <a:rPr lang="en-US" dirty="0"/>
               <a:t>/student/index</a:t>
             </a:r>
-            <a:endParaRPr lang="en-US" dirty="0"/>
           </a:p>
         </p:txBody>
       </p:sp>
@@ -6694,17 +6615,16 @@
           <a:p>
             <a:pPr algn="ctr"/>
             <a:r>
-              <a:rPr lang="en-US" sz="2800" dirty="0" smtClean="0"/>
+              <a:rPr lang="en-US" sz="2800" dirty="0"/>
               <a:t>GET</a:t>
             </a:r>
           </a:p>
           <a:p>
             <a:pPr algn="ctr"/>
             <a:r>
-              <a:rPr lang="en-US" dirty="0" smtClean="0"/>
+              <a:rPr lang="en-US" dirty="0"/>
               <a:t>/student/index</a:t>
             </a:r>
-            <a:endParaRPr lang="en-US" dirty="0"/>
           </a:p>
         </p:txBody>
       </p:sp>
@@ -6767,16 +6687,15 @@
           <a:lstStyle/>
           <a:p>
             <a:r>
-              <a:rPr lang="en-US" dirty="0" smtClean="0"/>
+              <a:rPr lang="en-US" dirty="0"/>
               <a:t>200 OK</a:t>
             </a:r>
           </a:p>
           <a:p>
             <a:r>
-              <a:rPr lang="en-US" dirty="0" smtClean="0"/>
+              <a:rPr lang="en-US" dirty="0"/>
               <a:t>text/html</a:t>
             </a:r>
-            <a:endParaRPr lang="en-US" dirty="0" smtClean="0"/>
           </a:p>
         </p:txBody>
       </p:sp>
@@ -6881,10 +6800,9 @@
           <a:lstStyle/>
           <a:p>
             <a:r>
-              <a:rPr lang="en-US" dirty="0" smtClean="0"/>
+              <a:rPr lang="en-US" dirty="0"/>
               <a:t>Clear screen</a:t>
             </a:r>
-            <a:endParaRPr lang="en-US" dirty="0"/>
           </a:p>
         </p:txBody>
       </p:sp>
@@ -7394,10 +7312,9 @@
           <a:lstStyle/>
           <a:p>
             <a:r>
-              <a:rPr lang="en-US" dirty="0" smtClean="0"/>
+              <a:rPr lang="en-US" dirty="0"/>
               <a:t>React Flow</a:t>
             </a:r>
-            <a:endParaRPr lang="en-US" dirty="0"/>
           </a:p>
         </p:txBody>
       </p:sp>
@@ -7438,10 +7355,9 @@
           <a:p>
             <a:pPr algn="ctr"/>
             <a:r>
-              <a:rPr lang="en-US" sz="2800" dirty="0" smtClean="0"/>
+              <a:rPr lang="en-US" sz="2800" dirty="0"/>
               <a:t>API</a:t>
             </a:r>
-            <a:endParaRPr lang="en-US" sz="2800" dirty="0"/>
           </a:p>
         </p:txBody>
       </p:sp>
@@ -7482,10 +7398,9 @@
           <a:p>
             <a:pPr algn="ctr"/>
             <a:r>
-              <a:rPr lang="en-US" sz="2800" dirty="0" smtClean="0"/>
+              <a:rPr lang="en-US" sz="2800" dirty="0"/>
               <a:t>Browser</a:t>
             </a:r>
-            <a:endParaRPr lang="en-US" sz="2800" dirty="0"/>
           </a:p>
         </p:txBody>
       </p:sp>
@@ -7589,14 +7504,14 @@
           <a:p>
             <a:pPr algn="ctr"/>
             <a:r>
-              <a:rPr lang="en-US" sz="2800" dirty="0" smtClean="0"/>
+              <a:rPr lang="en-US" sz="2800" dirty="0"/>
               <a:t>POST</a:t>
             </a:r>
           </a:p>
           <a:p>
             <a:pPr algn="ctr"/>
             <a:r>
-              <a:rPr lang="en-US" dirty="0" smtClean="0"/>
+              <a:rPr lang="en-US" dirty="0"/>
               <a:t>/student</a:t>
             </a:r>
             <a:endParaRPr lang="en-US" sz="2800" dirty="0"/>
@@ -7662,20 +7577,15 @@
           <a:lstStyle/>
           <a:p>
             <a:r>
-              <a:rPr lang="en-US" dirty="0" smtClean="0"/>
+              <a:rPr lang="en-US" dirty="0"/>
               <a:t>302 Found</a:t>
             </a:r>
           </a:p>
           <a:p>
             <a:r>
-              <a:rPr lang="en-US" dirty="0" smtClean="0"/>
-              <a:t>/</a:t>
-            </a:r>
-            <a:r>
-              <a:rPr lang="en-US" dirty="0" smtClean="0"/>
-              <a:t>student</a:t>
-            </a:r>
-            <a:endParaRPr lang="en-US" dirty="0"/>
+              <a:rPr lang="en-US" dirty="0"/>
+              <a:t>/student</a:t>
+            </a:r>
           </a:p>
         </p:txBody>
       </p:sp>
@@ -7739,17 +7649,16 @@
           <a:p>
             <a:pPr algn="ctr"/>
             <a:r>
-              <a:rPr lang="en-US" sz="2800" dirty="0" smtClean="0"/>
+              <a:rPr lang="en-US" sz="2800" dirty="0"/>
               <a:t>GET</a:t>
             </a:r>
           </a:p>
           <a:p>
             <a:pPr algn="ctr"/>
             <a:r>
-              <a:rPr lang="en-US" dirty="0" smtClean="0"/>
+              <a:rPr lang="en-US" dirty="0"/>
               <a:t>/student</a:t>
             </a:r>
-            <a:endParaRPr lang="en-US" dirty="0"/>
           </a:p>
         </p:txBody>
       </p:sp>
@@ -7812,20 +7721,16 @@
           <a:lstStyle/>
           <a:p>
             <a:r>
-              <a:rPr lang="en-US" dirty="0" smtClean="0"/>
+              <a:rPr lang="en-US" dirty="0"/>
               <a:t>200 OK</a:t>
             </a:r>
           </a:p>
           <a:p>
             <a:r>
               <a:rPr lang="en-US" dirty="0" err="1"/>
-              <a:t>c</a:t>
-            </a:r>
-            <a:r>
-              <a:rPr lang="en-US" dirty="0" err="1" smtClean="0"/>
-              <a:t>ollection+json</a:t>
-            </a:r>
-            <a:endParaRPr lang="en-US" dirty="0" smtClean="0"/>
+              <a:t>collection+json</a:t>
+            </a:r>
+            <a:endParaRPr lang="en-US" dirty="0"/>
           </a:p>
         </p:txBody>
       </p:sp>
@@ -7930,10 +7835,9 @@
           <a:lstStyle/>
           <a:p>
             <a:r>
-              <a:rPr lang="en-US" dirty="0" smtClean="0"/>
+              <a:rPr lang="en-US" dirty="0"/>
               <a:t>Refresh state</a:t>
             </a:r>
-            <a:endParaRPr lang="en-US" dirty="0"/>
           </a:p>
         </p:txBody>
       </p:sp>
@@ -7960,10 +7864,9 @@
           <a:lstStyle/>
           <a:p>
             <a:r>
-              <a:rPr lang="en-US" dirty="0" smtClean="0"/>
+              <a:rPr lang="en-US" dirty="0"/>
               <a:t>Re-render</a:t>
             </a:r>
-            <a:endParaRPr lang="en-US" dirty="0"/>
           </a:p>
         </p:txBody>
       </p:sp>
@@ -8526,21 +8429,17 @@
           <a:lstStyle/>
           <a:p>
             <a:r>
-              <a:rPr lang="en-US" dirty="0" smtClean="0"/>
+              <a:rPr lang="en-US" dirty="0"/>
               <a:t>Demo:</a:t>
             </a:r>
             <a:br>
-              <a:rPr lang="en-US" dirty="0" smtClean="0"/>
+              <a:rPr lang="en-US" dirty="0"/>
             </a:br>
-            <a:r>
-              <a:rPr lang="en-US" dirty="0" smtClean="0"/>
-              <a:t/>
-            </a:r>
             <a:br>
-              <a:rPr lang="en-US" dirty="0" smtClean="0"/>
+              <a:rPr lang="en-US" dirty="0"/>
             </a:br>
             <a:r>
-              <a:rPr lang="en-US" dirty="0" err="1" smtClean="0"/>
+              <a:rPr lang="en-US" dirty="0" err="1"/>
               <a:t>collection+json</a:t>
             </a:r>
             <a:endParaRPr lang="en-US" dirty="0"/>
@@ -8557,13 +8456,6 @@
   <p:clrMapOvr>
     <a:masterClrMapping/>
   </p:clrMapOvr>
-  <p:timing>
-    <p:tnLst>
-      <p:par>
-        <p:cTn id="1" dur="indefinite" restart="never" nodeType="tmRoot"/>
-      </p:par>
-    </p:tnLst>
-  </p:timing>
 </p:sld>
 </file>
 
@@ -8649,18 +8541,13 @@
           <a:lstStyle/>
           <a:p>
             <a:r>
-              <a:rPr lang="en-US" b="1" dirty="0" smtClean="0">
+              <a:rPr lang="en-US" b="1" dirty="0">
                 <a:solidFill>
                   <a:schemeClr val="tx1"/>
                 </a:solidFill>
               </a:rPr>
               <a:t>Table</a:t>
             </a:r>
-            <a:endParaRPr lang="en-US" b="1" dirty="0">
-              <a:solidFill>
-                <a:schemeClr val="tx1"/>
-              </a:solidFill>
-            </a:endParaRPr>
           </a:p>
         </p:txBody>
       </p:sp>
@@ -8711,18 +8598,13 @@
           <a:p>
             <a:pPr algn="r"/>
             <a:r>
-              <a:rPr lang="en-US" b="1" dirty="0" smtClean="0">
+              <a:rPr lang="en-US" b="1" dirty="0">
                 <a:solidFill>
                   <a:schemeClr val="tx1"/>
                 </a:solidFill>
               </a:rPr>
               <a:t>Header</a:t>
             </a:r>
-            <a:endParaRPr lang="en-US" b="1" dirty="0">
-              <a:solidFill>
-                <a:schemeClr val="tx1"/>
-              </a:solidFill>
-            </a:endParaRPr>
           </a:p>
         </p:txBody>
       </p:sp>
@@ -8772,18 +8654,13 @@
           <a:lstStyle/>
           <a:p>
             <a:r>
-              <a:rPr lang="en-US" b="1" dirty="0" smtClean="0">
+              <a:rPr lang="en-US" b="1" dirty="0">
                 <a:solidFill>
                   <a:schemeClr val="tx1"/>
                 </a:solidFill>
               </a:rPr>
               <a:t>Row</a:t>
             </a:r>
-            <a:endParaRPr lang="en-US" b="1" dirty="0">
-              <a:solidFill>
-                <a:schemeClr val="tx1"/>
-              </a:solidFill>
-            </a:endParaRPr>
           </a:p>
         </p:txBody>
       </p:sp>
@@ -8834,18 +8711,13 @@
           <a:p>
             <a:pPr algn="r"/>
             <a:r>
-              <a:rPr lang="en-US" sz="1400" b="1" dirty="0" smtClean="0">
+              <a:rPr lang="en-US" sz="1400" b="1" dirty="0">
                 <a:solidFill>
                   <a:schemeClr val="tx1"/>
                 </a:solidFill>
               </a:rPr>
               <a:t>Cell</a:t>
             </a:r>
-            <a:endParaRPr lang="en-US" sz="1400" b="1" dirty="0">
-              <a:solidFill>
-                <a:schemeClr val="tx1"/>
-              </a:solidFill>
-            </a:endParaRPr>
           </a:p>
         </p:txBody>
       </p:sp>
@@ -8896,18 +8768,13 @@
           <a:p>
             <a:pPr algn="r"/>
             <a:r>
-              <a:rPr lang="en-US" sz="1400" b="1" dirty="0" smtClean="0">
+              <a:rPr lang="en-US" sz="1400" b="1" dirty="0">
                 <a:solidFill>
                   <a:schemeClr val="tx1"/>
                 </a:solidFill>
               </a:rPr>
               <a:t>Link</a:t>
             </a:r>
-            <a:endParaRPr lang="en-US" sz="1400" b="1" dirty="0">
-              <a:solidFill>
-                <a:schemeClr val="tx1"/>
-              </a:solidFill>
-            </a:endParaRPr>
           </a:p>
         </p:txBody>
       </p:sp>
@@ -9218,21 +9085,25 @@
         </p:nvSpPr>
         <p:spPr>
           <a:xfrm>
-            <a:off x="1759392" y="247431"/>
+            <a:off x="1759392" y="70969"/>
             <a:ext cx="8691327" cy="2387600"/>
           </a:xfrm>
         </p:spPr>
         <p:txBody>
           <a:bodyPr anchor="ctr">
-            <a:normAutofit/>
+            <a:noAutofit/>
           </a:bodyPr>
           <a:lstStyle/>
           <a:p>
             <a:r>
-              <a:rPr lang="en-US" sz="7300" dirty="0" smtClean="0"/>
+              <a:rPr lang="en-US" sz="6600" dirty="0">
+                <a:solidFill>
+                  <a:prstClr val="black"/>
+                </a:solidFill>
+              </a:rPr>
               <a:t>Full Stack REST</a:t>
             </a:r>
-            <a:endParaRPr lang="en-US" dirty="0"/>
+            <a:endParaRPr lang="en-US" sz="4800" dirty="0"/>
           </a:p>
         </p:txBody>
       </p:sp>
@@ -9251,48 +9122,54 @@
         </p:nvSpPr>
         <p:spPr>
           <a:xfrm>
-            <a:off x="2676052" y="2693397"/>
+            <a:off x="2676052" y="2440462"/>
             <a:ext cx="6858000" cy="1655763"/>
           </a:xfrm>
         </p:spPr>
         <p:txBody>
           <a:bodyPr>
-            <a:normAutofit lnSpcReduction="10000"/>
+            <a:normAutofit fontScale="92500" lnSpcReduction="20000"/>
           </a:bodyPr>
           <a:lstStyle/>
           <a:p>
             <a:r>
-              <a:rPr lang="en-US" dirty="0" smtClean="0"/>
-              <a:t>Jimmy Bogard</a:t>
-            </a:r>
-          </a:p>
-          <a:p>
-            <a:r>
-              <a:rPr lang="en-US" dirty="0" smtClean="0"/>
+              <a:rPr lang="en-US" sz="2800" dirty="0"/>
+              <a:t>Jimmy </a:t>
+            </a:r>
+            <a:r>
+              <a:rPr lang="en-US" sz="2800" dirty="0" err="1"/>
+              <a:t>Bogard</a:t>
+            </a:r>
+            <a:endParaRPr lang="en-US" sz="2800" dirty="0"/>
+          </a:p>
+          <a:p>
+            <a:r>
+              <a:rPr lang="en-US" sz="2800" dirty="0"/>
               <a:t>@</a:t>
             </a:r>
             <a:r>
-              <a:rPr lang="en-US" dirty="0" err="1" smtClean="0"/>
+              <a:rPr lang="en-US" sz="2800" dirty="0" err="1"/>
               <a:t>jbogard</a:t>
             </a:r>
-            <a:endParaRPr lang="en-US" dirty="0" smtClean="0"/>
-          </a:p>
-          <a:p>
-            <a:r>
-              <a:rPr lang="en-US" dirty="0" smtClean="0"/>
+            <a:endParaRPr lang="en-US" sz="2800" dirty="0"/>
+          </a:p>
+          <a:p>
+            <a:r>
+              <a:rPr lang="en-US" sz="2800" dirty="0"/>
               <a:t>github.com/</a:t>
             </a:r>
             <a:r>
-              <a:rPr lang="en-US" dirty="0" err="1" smtClean="0"/>
+              <a:rPr lang="en-US" sz="2800" dirty="0" err="1"/>
               <a:t>jbogard</a:t>
             </a:r>
-            <a:endParaRPr lang="en-US" dirty="0" smtClean="0"/>
-          </a:p>
-          <a:p>
-            <a:r>
-              <a:rPr lang="en-US" dirty="0" smtClean="0"/>
-              <a:t>jimmybogard.lostechies.com</a:t>
-            </a:r>
+            <a:endParaRPr lang="en-US" sz="2800" dirty="0"/>
+          </a:p>
+          <a:p>
+            <a:r>
+              <a:rPr lang="en-US" sz="2800" dirty="0" err="1"/>
+              <a:t>jimmybogard.com</a:t>
+            </a:r>
+            <a:endParaRPr lang="en-US" sz="2800" dirty="0"/>
           </a:p>
         </p:txBody>
       </p:sp>
@@ -9319,7 +9196,7 @@
         </p:blipFill>
         <p:spPr bwMode="auto">
           <a:xfrm>
-            <a:off x="8303745" y="4625449"/>
+            <a:off x="1411730" y="4632329"/>
             <a:ext cx="1095375" cy="1714500"/>
           </a:xfrm>
           <a:prstGeom prst="rect">
@@ -9360,7 +9237,7 @@
         </p:blipFill>
         <p:spPr bwMode="auto">
           <a:xfrm>
-            <a:off x="2378190" y="4790306"/>
+            <a:off x="2106433" y="5489579"/>
             <a:ext cx="6047539" cy="733425"/>
           </a:xfrm>
           <a:prstGeom prst="rect">
@@ -9401,7 +9278,7 @@
         </p:blipFill>
         <p:spPr bwMode="auto">
           <a:xfrm>
-            <a:off x="3465041" y="5937232"/>
+            <a:off x="7410973" y="4783848"/>
             <a:ext cx="3733800" cy="382377"/>
           </a:xfrm>
           <a:prstGeom prst="rect">
@@ -9419,26 +9296,108 @@
           </a:extLst>
         </p:spPr>
       </p:pic>
+      <p:pic>
+        <p:nvPicPr>
+          <p:cNvPr id="10" name="Picture 2" descr="http://storage.pardot.com/52582/22896/headspring_weblogo.png"/>
+          <p:cNvPicPr>
+            <a:picLocks noChangeAspect="1" noChangeArrowheads="1"/>
+          </p:cNvPicPr>
+          <p:nvPr/>
+        </p:nvPicPr>
+        <p:blipFill>
+          <a:blip r:embed="rId9">
+            <a:extLst>
+              <a:ext uri="{28A0092B-C50C-407E-A947-70E740481C1C}">
+                <a14:useLocalDpi xmlns:a14="http://schemas.microsoft.com/office/drawing/2010/main" val="0"/>
+              </a:ext>
+            </a:extLst>
+          </a:blip>
+          <a:srcRect/>
+          <a:stretch>
+            <a:fillRect/>
+          </a:stretch>
+        </p:blipFill>
+        <p:spPr bwMode="auto">
+          <a:xfrm>
+            <a:off x="3310440" y="4685622"/>
+            <a:ext cx="3183567" cy="578830"/>
+          </a:xfrm>
+          <a:prstGeom prst="rect">
+            <a:avLst/>
+          </a:prstGeom>
+          <a:noFill/>
+          <a:extLst>
+            <a:ext uri="{909E8E84-426E-40DD-AFC4-6F175D3DCCD1}">
+              <a14:hiddenFill xmlns:a14="http://schemas.microsoft.com/office/drawing/2010/main">
+                <a:solidFill>
+                  <a:srgbClr val="FFFFFF"/>
+                </a:solidFill>
+              </a14:hiddenFill>
+            </a:ext>
+          </a:extLst>
+        </p:spPr>
+      </p:pic>
+      <p:pic>
+        <p:nvPicPr>
+          <p:cNvPr id="4" name="Picture 3"/>
+          <p:cNvPicPr>
+            <a:picLocks noChangeAspect="1"/>
+          </p:cNvPicPr>
+          <p:nvPr/>
+        </p:nvPicPr>
+        <p:blipFill>
+          <a:blip r:embed="rId10"/>
+          <a:stretch>
+            <a:fillRect/>
+          </a:stretch>
+        </p:blipFill>
+        <p:spPr>
+          <a:xfrm>
+            <a:off x="7996760" y="5405709"/>
+            <a:ext cx="1052054" cy="1052054"/>
+          </a:xfrm>
+          <a:prstGeom prst="rect">
+            <a:avLst/>
+          </a:prstGeom>
+        </p:spPr>
+      </p:pic>
+      <p:pic>
+        <p:nvPicPr>
+          <p:cNvPr id="5" name="Picture 4"/>
+          <p:cNvPicPr>
+            <a:picLocks noChangeAspect="1"/>
+          </p:cNvPicPr>
+          <p:nvPr/>
+        </p:nvPicPr>
+        <p:blipFill>
+          <a:blip r:embed="rId11"/>
+          <a:stretch>
+            <a:fillRect/>
+          </a:stretch>
+        </p:blipFill>
+        <p:spPr>
+          <a:xfrm>
+            <a:off x="9534052" y="5489579"/>
+            <a:ext cx="916667" cy="916667"/>
+          </a:xfrm>
+          <a:prstGeom prst="rect">
+            <a:avLst/>
+          </a:prstGeom>
+        </p:spPr>
+      </p:pic>
     </p:spTree>
     <p:custDataLst>
       <p:tags r:id="rId1"/>
     </p:custDataLst>
     <p:extLst>
       <p:ext uri="{BB962C8B-B14F-4D97-AF65-F5344CB8AC3E}">
-        <p14:creationId xmlns:p14="http://schemas.microsoft.com/office/powerpoint/2010/main" val="2218873676"/>
+        <p14:creationId xmlns:p14="http://schemas.microsoft.com/office/powerpoint/2010/main" val="1665062006"/>
       </p:ext>
     </p:extLst>
   </p:cSld>
   <p:clrMapOvr>
     <a:masterClrMapping/>
   </p:clrMapOvr>
-  <p:timing>
-    <p:tnLst>
-      <p:par>
-        <p:cTn id="1" dur="indefinite" restart="never" nodeType="tmRoot"/>
-      </p:par>
-    </p:tnLst>
-  </p:timing>
 </p:sld>
 </file>
 
@@ -9493,13 +9452,6 @@
   <p:clrMapOvr>
     <a:masterClrMapping/>
   </p:clrMapOvr>
-  <p:timing>
-    <p:tnLst>
-      <p:par>
-        <p:cTn id="1" dur="indefinite" restart="never" nodeType="tmRoot"/>
-      </p:par>
-    </p:tnLst>
-  </p:timing>
 </p:sld>
 </file>
 
@@ -9543,32 +9495,27 @@
           <a:lstStyle/>
           <a:p>
             <a:r>
-              <a:rPr lang="en-US" dirty="0" smtClean="0"/>
+              <a:rPr lang="en-US" dirty="0"/>
               <a:t>What’s wrong with plain </a:t>
             </a:r>
             <a:r>
-              <a:rPr lang="en-US" dirty="0" err="1" smtClean="0"/>
+              <a:rPr lang="en-US" dirty="0" err="1"/>
               <a:t>ol</a:t>
             </a:r>
             <a:r>
-              <a:rPr lang="en-US" dirty="0" smtClean="0"/>
+              <a:rPr lang="en-US" dirty="0"/>
               <a:t>’ JSON objects?</a:t>
-            </a:r>
-            <a:br>
-              <a:rPr lang="en-US" dirty="0" smtClean="0"/>
-            </a:br>
-            <a:r>
-              <a:rPr lang="en-US" dirty="0"/>
-              <a:t/>
             </a:r>
             <a:br>
               <a:rPr lang="en-US" dirty="0"/>
             </a:br>
-            <a:r>
-              <a:rPr lang="en-US" dirty="0" smtClean="0"/>
+            <a:br>
+              <a:rPr lang="en-US" dirty="0"/>
+            </a:br>
+            <a:r>
+              <a:rPr lang="en-US" dirty="0"/>
               <a:t>(POJSONO)</a:t>
             </a:r>
-            <a:endParaRPr lang="en-US" dirty="0"/>
           </a:p>
         </p:txBody>
       </p:sp>
@@ -9582,13 +9529,6 @@
   <p:clrMapOvr>
     <a:masterClrMapping/>
   </p:clrMapOvr>
-  <p:timing>
-    <p:tnLst>
-      <p:par>
-        <p:cTn id="1" dur="indefinite" restart="never" nodeType="tmRoot"/>
-      </p:par>
-    </p:tnLst>
-  </p:timing>
 </p:sld>
 </file>
 
@@ -9625,10 +9565,9 @@
           <a:lstStyle/>
           <a:p>
             <a:r>
-              <a:rPr lang="en-US" dirty="0" smtClean="0"/>
+              <a:rPr lang="en-US" dirty="0"/>
               <a:t>Mo’ POJSONO problems</a:t>
             </a:r>
-            <a:endParaRPr lang="en-US" dirty="0"/>
           </a:p>
         </p:txBody>
       </p:sp>
@@ -9674,7 +9613,7 @@
           <a:lstStyle/>
           <a:p>
             <a:r>
-              <a:rPr lang="en-US" dirty="0" smtClean="0"/>
+              <a:rPr lang="en-US" dirty="0"/>
               <a:t>Labels/names hardcoded</a:t>
             </a:r>
           </a:p>
@@ -9683,7 +9622,7 @@
           </a:p>
           <a:p>
             <a:r>
-              <a:rPr lang="en-US" dirty="0" smtClean="0"/>
+              <a:rPr lang="en-US" dirty="0"/>
               <a:t>Types inferred</a:t>
             </a:r>
           </a:p>
@@ -9692,7 +9631,7 @@
           </a:p>
           <a:p>
             <a:r>
-              <a:rPr lang="en-US" dirty="0" smtClean="0"/>
+              <a:rPr lang="en-US" dirty="0"/>
               <a:t>What can I do with this?</a:t>
             </a:r>
           </a:p>
@@ -9701,10 +9640,9 @@
           </a:p>
           <a:p>
             <a:r>
-              <a:rPr lang="en-US" dirty="0" smtClean="0"/>
+              <a:rPr lang="en-US" dirty="0"/>
               <a:t>What is related to this?</a:t>
             </a:r>
-            <a:endParaRPr lang="en-US" dirty="0"/>
           </a:p>
         </p:txBody>
       </p:sp>
@@ -9718,13 +9656,6 @@
   <p:clrMapOvr>
     <a:masterClrMapping/>
   </p:clrMapOvr>
-  <p:timing>
-    <p:tnLst>
-      <p:par>
-        <p:cTn id="1" dur="indefinite" restart="never" nodeType="tmRoot"/>
-      </p:par>
-    </p:tnLst>
-  </p:timing>
 </p:sld>
 </file>
 
@@ -9768,38 +9699,37 @@
           <a:lstStyle/>
           <a:p>
             <a:r>
-              <a:rPr lang="en-US" dirty="0" smtClean="0"/>
+              <a:rPr lang="en-US" dirty="0"/>
               <a:t>Hypermedia = </a:t>
             </a:r>
             <a:br>
-              <a:rPr lang="en-US" dirty="0" smtClean="0"/>
+              <a:rPr lang="en-US" dirty="0"/>
             </a:br>
             <a:r>
-              <a:rPr lang="en-US" dirty="0" smtClean="0"/>
+              <a:rPr lang="en-US" dirty="0"/>
               <a:t>JSON +</a:t>
             </a:r>
             <a:br>
-              <a:rPr lang="en-US" dirty="0" smtClean="0"/>
+              <a:rPr lang="en-US" dirty="0"/>
             </a:br>
             <a:r>
-              <a:rPr lang="en-US" dirty="0" smtClean="0"/>
+              <a:rPr lang="en-US" dirty="0"/>
               <a:t>Links +</a:t>
             </a:r>
             <a:br>
-              <a:rPr lang="en-US" dirty="0" smtClean="0"/>
+              <a:rPr lang="en-US" dirty="0"/>
             </a:br>
             <a:r>
-              <a:rPr lang="en-US" dirty="0" smtClean="0"/>
+              <a:rPr lang="en-US" dirty="0"/>
               <a:t>URLs +</a:t>
             </a:r>
             <a:br>
-              <a:rPr lang="en-US" dirty="0" smtClean="0"/>
+              <a:rPr lang="en-US" dirty="0"/>
             </a:br>
             <a:r>
-              <a:rPr lang="en-US" dirty="0" smtClean="0"/>
+              <a:rPr lang="en-US" dirty="0"/>
               <a:t>Forms/Queries</a:t>
             </a:r>
-            <a:endParaRPr lang="en-US" dirty="0"/>
           </a:p>
         </p:txBody>
       </p:sp>
@@ -9813,13 +9743,6 @@
   <p:clrMapOvr>
     <a:masterClrMapping/>
   </p:clrMapOvr>
-  <p:timing>
-    <p:tnLst>
-      <p:par>
-        <p:cTn id="1" dur="indefinite" restart="never" nodeType="tmRoot"/>
-      </p:par>
-    </p:tnLst>
-  </p:timing>
 </p:sld>
 </file>
 
@@ -9863,10 +9786,9 @@
           <a:lstStyle/>
           <a:p>
             <a:r>
-              <a:rPr lang="en-US" dirty="0" smtClean="0"/>
+              <a:rPr lang="en-US" dirty="0"/>
               <a:t>Typical Hypermedia experience</a:t>
             </a:r>
-            <a:endParaRPr lang="en-US" dirty="0"/>
           </a:p>
         </p:txBody>
       </p:sp>
@@ -9880,13 +9802,6 @@
   <p:clrMapOvr>
     <a:masterClrMapping/>
   </p:clrMapOvr>
-  <p:timing>
-    <p:tnLst>
-      <p:par>
-        <p:cTn id="1" dur="indefinite" restart="never" nodeType="tmRoot"/>
-      </p:par>
-    </p:tnLst>
-  </p:timing>
 </p:sld>
 </file>
 
@@ -10066,10 +9981,9 @@
           <a:lstStyle/>
           <a:p>
             <a:r>
-              <a:rPr lang="en-US" dirty="0" smtClean="0"/>
+              <a:rPr lang="en-US" dirty="0"/>
               <a:t>Deployed together</a:t>
             </a:r>
-            <a:endParaRPr lang="en-US" dirty="0"/>
           </a:p>
         </p:txBody>
       </p:sp>
@@ -10110,10 +10024,9 @@
           <a:p>
             <a:pPr algn="ctr"/>
             <a:r>
-              <a:rPr lang="en-US" sz="2800" dirty="0" smtClean="0"/>
+              <a:rPr lang="en-US" sz="2800" dirty="0"/>
               <a:t>Server</a:t>
             </a:r>
-            <a:endParaRPr lang="en-US" sz="2800" dirty="0"/>
           </a:p>
         </p:txBody>
       </p:sp>
@@ -10154,10 +10067,9 @@
           <a:p>
             <a:pPr algn="ctr"/>
             <a:r>
-              <a:rPr lang="en-US" sz="2800" dirty="0" smtClean="0"/>
+              <a:rPr lang="en-US" sz="2800" dirty="0"/>
               <a:t>Browser</a:t>
             </a:r>
-            <a:endParaRPr lang="en-US" sz="2800" dirty="0"/>
           </a:p>
         </p:txBody>
       </p:sp>
@@ -10224,10 +10136,9 @@
           <a:lstStyle/>
           <a:p>
             <a:r>
-              <a:rPr lang="en-US" sz="2800" dirty="0" smtClean="0"/>
+              <a:rPr lang="en-US" sz="2800" dirty="0"/>
               <a:t>HTML</a:t>
             </a:r>
-            <a:endParaRPr lang="en-US" sz="2800" dirty="0"/>
           </a:p>
         </p:txBody>
       </p:sp>
@@ -10254,10 +10165,9 @@
           <a:lstStyle/>
           <a:p>
             <a:r>
-              <a:rPr lang="en-US" sz="2800" dirty="0" smtClean="0"/>
+              <a:rPr lang="en-US" sz="2800" dirty="0"/>
               <a:t>JavaScript</a:t>
             </a:r>
-            <a:endParaRPr lang="en-US" sz="2800" dirty="0"/>
           </a:p>
         </p:txBody>
       </p:sp>
@@ -10365,10 +10275,9 @@
           <a:lstStyle/>
           <a:p>
             <a:r>
-              <a:rPr lang="en-US" sz="2800" dirty="0" smtClean="0"/>
+              <a:rPr lang="en-US" sz="2800" dirty="0"/>
               <a:t>AJAX</a:t>
             </a:r>
-            <a:endParaRPr lang="en-US" sz="2800" dirty="0"/>
           </a:p>
         </p:txBody>
       </p:sp>
@@ -10437,10 +10346,9 @@
           <a:p>
             <a:pPr algn="ctr"/>
             <a:r>
-              <a:rPr lang="en-US" sz="2800" dirty="0" smtClean="0"/>
+              <a:rPr lang="en-US" sz="2800" dirty="0"/>
               <a:t>Hypermedia</a:t>
             </a:r>
-            <a:endParaRPr lang="en-US" sz="2800" dirty="0"/>
           </a:p>
         </p:txBody>
       </p:sp>
@@ -10695,14 +10603,14 @@
         <a:srgbClr val="954F72"/>
       </a:folHlink>
     </a:clrScheme>
-    <a:fontScheme name="Lucida Console">
+    <a:fontScheme name="Consolas">
       <a:majorFont>
-        <a:latin typeface="Lucida Console"/>
+        <a:latin typeface="Consolas"/>
         <a:ea typeface=""/>
         <a:cs typeface=""/>
       </a:majorFont>
       <a:minorFont>
-        <a:latin typeface="Lucida Console"/>
+        <a:latin typeface="Consolas"/>
         <a:ea typeface=""/>
         <a:cs typeface=""/>
       </a:minorFont>

--- a/FullStackREST/FullStackREST.pptx
+++ b/FullStackREST/FullStackREST.pptx
@@ -5,7 +5,7 @@
     <p:sldMasterId id="2147483648" r:id="rId1"/>
   </p:sldMasterIdLst>
   <p:notesMasterIdLst>
-    <p:notesMasterId r:id="rId31"/>
+    <p:notesMasterId r:id="rId28"/>
   </p:notesMasterIdLst>
   <p:sldIdLst>
     <p:sldId id="311" r:id="rId2"/>
@@ -29,14 +29,11 @@
     <p:sldId id="288" r:id="rId20"/>
     <p:sldId id="289" r:id="rId21"/>
     <p:sldId id="303" r:id="rId22"/>
-    <p:sldId id="304" r:id="rId23"/>
-    <p:sldId id="309" r:id="rId24"/>
-    <p:sldId id="305" r:id="rId25"/>
-    <p:sldId id="306" r:id="rId26"/>
-    <p:sldId id="307" r:id="rId27"/>
-    <p:sldId id="267" r:id="rId28"/>
-    <p:sldId id="301" r:id="rId29"/>
-    <p:sldId id="310" r:id="rId30"/>
+    <p:sldId id="306" r:id="rId23"/>
+    <p:sldId id="307" r:id="rId24"/>
+    <p:sldId id="267" r:id="rId25"/>
+    <p:sldId id="301" r:id="rId26"/>
+    <p:sldId id="310" r:id="rId27"/>
   </p:sldIdLst>
   <p:sldSz cx="12192000" cy="6858000"/>
   <p:notesSz cx="6858000" cy="9144000"/>
@@ -739,7 +736,7 @@
           <a:p>
             <a:fld id="{DC42B9C4-3265-4C64-80EB-D0107FD08979}" type="slidenum">
               <a:rPr lang="en-US" smtClean="0"/>
-              <a:t>29</a:t>
+              <a:t>26</a:t>
             </a:fld>
             <a:endParaRPr lang="en-US"/>
           </a:p>
@@ -5910,342 +5907,6 @@
 </file>
 
 <file path=ppt/slides/slide22.xml><?xml version="1.0" encoding="utf-8"?>
-<p:sld xmlns:a="http://schemas.openxmlformats.org/drawingml/2006/main" xmlns:r="http://schemas.openxmlformats.org/officeDocument/2006/relationships" xmlns:p="http://schemas.openxmlformats.org/presentationml/2006/main">
-  <p:cSld>
-    <p:spTree>
-      <p:nvGrpSpPr>
-        <p:cNvPr id="1" name=""/>
-        <p:cNvGrpSpPr/>
-        <p:nvPr/>
-      </p:nvGrpSpPr>
-      <p:grpSpPr>
-        <a:xfrm>
-          <a:off x="0" y="0"/>
-          <a:ext cx="0" cy="0"/>
-          <a:chOff x="0" y="0"/>
-          <a:chExt cx="0" cy="0"/>
-        </a:xfrm>
-      </p:grpSpPr>
-      <p:pic>
-        <p:nvPicPr>
-          <p:cNvPr id="2050" name="Picture 2" descr="http://www.theculinaryexchange.com/wp-content/uploads/2015/05/bee-stings-shutterstock_107138072-617x416.jpg"/>
-          <p:cNvPicPr>
-            <a:picLocks noChangeAspect="1" noChangeArrowheads="1"/>
-          </p:cNvPicPr>
-          <p:nvPr/>
-        </p:nvPicPr>
-        <p:blipFill>
-          <a:blip r:embed="rId2">
-            <a:extLst>
-              <a:ext uri="{28A0092B-C50C-407E-A947-70E740481C1C}">
-                <a14:useLocalDpi xmlns:a14="http://schemas.microsoft.com/office/drawing/2010/main" val="0"/>
-              </a:ext>
-            </a:extLst>
-          </a:blip>
-          <a:srcRect/>
-          <a:stretch>
-            <a:fillRect/>
-          </a:stretch>
-        </p:blipFill>
-        <p:spPr bwMode="auto">
-          <a:xfrm>
-            <a:off x="248565" y="830639"/>
-            <a:ext cx="5876925" cy="3962401"/>
-          </a:xfrm>
-          <a:prstGeom prst="rect">
-            <a:avLst/>
-          </a:prstGeom>
-          <a:noFill/>
-          <a:extLst>
-            <a:ext uri="{909E8E84-426E-40DD-AFC4-6F175D3DCCD1}">
-              <a14:hiddenFill xmlns:a14="http://schemas.microsoft.com/office/drawing/2010/main">
-                <a:solidFill>
-                  <a:srgbClr val="FFFFFF"/>
-                </a:solidFill>
-              </a14:hiddenFill>
-            </a:ext>
-          </a:extLst>
-        </p:spPr>
-      </p:pic>
-      <p:pic>
-        <p:nvPicPr>
-          <p:cNvPr id="2054" name="Picture 6" descr="http://i.kinja-img.com/gawker-media/image/upload/uznrb8lecqsfzhymvnqy.jpg"/>
-          <p:cNvPicPr>
-            <a:picLocks noChangeAspect="1" noChangeArrowheads="1"/>
-          </p:cNvPicPr>
-          <p:nvPr/>
-        </p:nvPicPr>
-        <p:blipFill>
-          <a:blip r:embed="rId3">
-            <a:extLst>
-              <a:ext uri="{28A0092B-C50C-407E-A947-70E740481C1C}">
-                <a14:useLocalDpi xmlns:a14="http://schemas.microsoft.com/office/drawing/2010/main" val="0"/>
-              </a:ext>
-            </a:extLst>
-          </a:blip>
-          <a:srcRect/>
-          <a:stretch>
-            <a:fillRect/>
-          </a:stretch>
-        </p:blipFill>
-        <p:spPr bwMode="auto">
-          <a:xfrm>
-            <a:off x="6742355" y="1221165"/>
-            <a:ext cx="4762500" cy="3571875"/>
-          </a:xfrm>
-          <a:prstGeom prst="rect">
-            <a:avLst/>
-          </a:prstGeom>
-          <a:noFill/>
-          <a:extLst>
-            <a:ext uri="{909E8E84-426E-40DD-AFC4-6F175D3DCCD1}">
-              <a14:hiddenFill xmlns:a14="http://schemas.microsoft.com/office/drawing/2010/main">
-                <a:solidFill>
-                  <a:srgbClr val="FFFFFF"/>
-                </a:solidFill>
-              </a14:hiddenFill>
-            </a:ext>
-          </a:extLst>
-        </p:spPr>
-      </p:pic>
-    </p:spTree>
-    <p:extLst>
-      <p:ext uri="{BB962C8B-B14F-4D97-AF65-F5344CB8AC3E}">
-        <p14:creationId xmlns:p14="http://schemas.microsoft.com/office/powerpoint/2010/main" val="557065211"/>
-      </p:ext>
-    </p:extLst>
-  </p:cSld>
-  <p:clrMapOvr>
-    <a:masterClrMapping/>
-  </p:clrMapOvr>
-</p:sld>
-</file>
-
-<file path=ppt/slides/slide23.xml><?xml version="1.0" encoding="utf-8"?>
-<p:sld xmlns:a="http://schemas.openxmlformats.org/drawingml/2006/main" xmlns:r="http://schemas.openxmlformats.org/officeDocument/2006/relationships" xmlns:p="http://schemas.openxmlformats.org/presentationml/2006/main">
-  <p:cSld>
-    <p:spTree>
-      <p:nvGrpSpPr>
-        <p:cNvPr id="1" name=""/>
-        <p:cNvGrpSpPr/>
-        <p:nvPr/>
-      </p:nvGrpSpPr>
-      <p:grpSpPr>
-        <a:xfrm>
-          <a:off x="0" y="0"/>
-          <a:ext cx="0" cy="0"/>
-          <a:chOff x="0" y="0"/>
-          <a:chExt cx="0" cy="0"/>
-        </a:xfrm>
-      </p:grpSpPr>
-      <p:pic>
-        <p:nvPicPr>
-          <p:cNvPr id="4098" name="Picture 2" descr="http://www.cats.org.uk/uploads/images/pages/photo_latest14.jpg"/>
-          <p:cNvPicPr>
-            <a:picLocks noChangeAspect="1" noChangeArrowheads="1"/>
-          </p:cNvPicPr>
-          <p:nvPr/>
-        </p:nvPicPr>
-        <p:blipFill>
-          <a:blip r:embed="rId2">
-            <a:extLst>
-              <a:ext uri="{28A0092B-C50C-407E-A947-70E740481C1C}">
-                <a14:useLocalDpi xmlns:a14="http://schemas.microsoft.com/office/drawing/2010/main" val="0"/>
-              </a:ext>
-            </a:extLst>
-          </a:blip>
-          <a:srcRect/>
-          <a:stretch>
-            <a:fillRect/>
-          </a:stretch>
-        </p:blipFill>
-        <p:spPr bwMode="auto">
-          <a:xfrm>
-            <a:off x="1192696" y="262166"/>
-            <a:ext cx="4253948" cy="5261852"/>
-          </a:xfrm>
-          <a:prstGeom prst="rect">
-            <a:avLst/>
-          </a:prstGeom>
-          <a:noFill/>
-          <a:extLst>
-            <a:ext uri="{909E8E84-426E-40DD-AFC4-6F175D3DCCD1}">
-              <a14:hiddenFill xmlns:a14="http://schemas.microsoft.com/office/drawing/2010/main">
-                <a:solidFill>
-                  <a:srgbClr val="FFFFFF"/>
-                </a:solidFill>
-              </a14:hiddenFill>
-            </a:ext>
-          </a:extLst>
-        </p:spPr>
-      </p:pic>
-      <p:pic>
-        <p:nvPicPr>
-          <p:cNvPr id="4100" name="Picture 4" descr="http://www.adultfootedpjs.com/media/products/BlueDucks%20Large.jpg"/>
-          <p:cNvPicPr>
-            <a:picLocks noChangeAspect="1" noChangeArrowheads="1"/>
-          </p:cNvPicPr>
-          <p:nvPr/>
-        </p:nvPicPr>
-        <p:blipFill>
-          <a:blip r:embed="rId3">
-            <a:extLst>
-              <a:ext uri="{28A0092B-C50C-407E-A947-70E740481C1C}">
-                <a14:useLocalDpi xmlns:a14="http://schemas.microsoft.com/office/drawing/2010/main" val="0"/>
-              </a:ext>
-            </a:extLst>
-          </a:blip>
-          <a:srcRect/>
-          <a:stretch>
-            <a:fillRect/>
-          </a:stretch>
-        </p:blipFill>
-        <p:spPr bwMode="auto">
-          <a:xfrm>
-            <a:off x="6814793" y="0"/>
-            <a:ext cx="4356789" cy="6538449"/>
-          </a:xfrm>
-          <a:prstGeom prst="rect">
-            <a:avLst/>
-          </a:prstGeom>
-          <a:noFill/>
-          <a:extLst>
-            <a:ext uri="{909E8E84-426E-40DD-AFC4-6F175D3DCCD1}">
-              <a14:hiddenFill xmlns:a14="http://schemas.microsoft.com/office/drawing/2010/main">
-                <a:solidFill>
-                  <a:srgbClr val="FFFFFF"/>
-                </a:solidFill>
-              </a14:hiddenFill>
-            </a:ext>
-          </a:extLst>
-        </p:spPr>
-      </p:pic>
-    </p:spTree>
-    <p:extLst>
-      <p:ext uri="{BB962C8B-B14F-4D97-AF65-F5344CB8AC3E}">
-        <p14:creationId xmlns:p14="http://schemas.microsoft.com/office/powerpoint/2010/main" val="1631109216"/>
-      </p:ext>
-    </p:extLst>
-  </p:cSld>
-  <p:clrMapOvr>
-    <a:masterClrMapping/>
-  </p:clrMapOvr>
-</p:sld>
-</file>
-
-<file path=ppt/slides/slide24.xml><?xml version="1.0" encoding="utf-8"?>
-<p:sld xmlns:a="http://schemas.openxmlformats.org/drawingml/2006/main" xmlns:r="http://schemas.openxmlformats.org/officeDocument/2006/relationships" xmlns:p="http://schemas.openxmlformats.org/presentationml/2006/main">
-  <p:cSld>
-    <p:spTree>
-      <p:nvGrpSpPr>
-        <p:cNvPr id="1" name=""/>
-        <p:cNvGrpSpPr/>
-        <p:nvPr/>
-      </p:nvGrpSpPr>
-      <p:grpSpPr>
-        <a:xfrm>
-          <a:off x="0" y="0"/>
-          <a:ext cx="0" cy="0"/>
-          <a:chOff x="0" y="0"/>
-          <a:chExt cx="0" cy="0"/>
-        </a:xfrm>
-      </p:grpSpPr>
-      <p:pic>
-        <p:nvPicPr>
-          <p:cNvPr id="3076" name="Picture 4" descr="http://clipartzebraz.com/cliparts/bomb/cliparti1_bomb_06.jpg"/>
-          <p:cNvPicPr>
-            <a:picLocks noChangeAspect="1" noChangeArrowheads="1"/>
-          </p:cNvPicPr>
-          <p:nvPr/>
-        </p:nvPicPr>
-        <p:blipFill>
-          <a:blip r:embed="rId2" cstate="print">
-            <a:extLst>
-              <a:ext uri="{28A0092B-C50C-407E-A947-70E740481C1C}">
-                <a14:useLocalDpi xmlns:a14="http://schemas.microsoft.com/office/drawing/2010/main" val="0"/>
-              </a:ext>
-            </a:extLst>
-          </a:blip>
-          <a:srcRect/>
-          <a:stretch>
-            <a:fillRect/>
-          </a:stretch>
-        </p:blipFill>
-        <p:spPr bwMode="auto">
-          <a:xfrm>
-            <a:off x="1069976" y="922983"/>
-            <a:ext cx="4674945" cy="4674945"/>
-          </a:xfrm>
-          <a:prstGeom prst="rect">
-            <a:avLst/>
-          </a:prstGeom>
-          <a:noFill/>
-          <a:extLst>
-            <a:ext uri="{909E8E84-426E-40DD-AFC4-6F175D3DCCD1}">
-              <a14:hiddenFill xmlns:a14="http://schemas.microsoft.com/office/drawing/2010/main">
-                <a:solidFill>
-                  <a:srgbClr val="FFFFFF"/>
-                </a:solidFill>
-              </a14:hiddenFill>
-            </a:ext>
-          </a:extLst>
-        </p:spPr>
-      </p:pic>
-      <p:pic>
-        <p:nvPicPr>
-          <p:cNvPr id="3078" name="Picture 6" descr="http://previewcf.turbosquid.com/Preview/2014/05/23__15_25_01/Shovel_view_01.jpge9200db2-781f-4214-a8da-7567372999b6Larger.jpg"/>
-          <p:cNvPicPr>
-            <a:picLocks noChangeAspect="1" noChangeArrowheads="1"/>
-          </p:cNvPicPr>
-          <p:nvPr/>
-        </p:nvPicPr>
-        <p:blipFill>
-          <a:blip r:embed="rId3">
-            <a:extLst>
-              <a:ext uri="{28A0092B-C50C-407E-A947-70E740481C1C}">
-                <a14:useLocalDpi xmlns:a14="http://schemas.microsoft.com/office/drawing/2010/main" val="0"/>
-              </a:ext>
-            </a:extLst>
-          </a:blip>
-          <a:srcRect/>
-          <a:stretch>
-            <a:fillRect/>
-          </a:stretch>
-        </p:blipFill>
-        <p:spPr bwMode="auto">
-          <a:xfrm>
-            <a:off x="6044931" y="402956"/>
-            <a:ext cx="5715000" cy="5715000"/>
-          </a:xfrm>
-          <a:prstGeom prst="rect">
-            <a:avLst/>
-          </a:prstGeom>
-          <a:noFill/>
-          <a:extLst>
-            <a:ext uri="{909E8E84-426E-40DD-AFC4-6F175D3DCCD1}">
-              <a14:hiddenFill xmlns:a14="http://schemas.microsoft.com/office/drawing/2010/main">
-                <a:solidFill>
-                  <a:srgbClr val="FFFFFF"/>
-                </a:solidFill>
-              </a14:hiddenFill>
-            </a:ext>
-          </a:extLst>
-        </p:spPr>
-      </p:pic>
-    </p:spTree>
-    <p:extLst>
-      <p:ext uri="{BB962C8B-B14F-4D97-AF65-F5344CB8AC3E}">
-        <p14:creationId xmlns:p14="http://schemas.microsoft.com/office/powerpoint/2010/main" val="1865383738"/>
-      </p:ext>
-    </p:extLst>
-  </p:cSld>
-  <p:clrMapOvr>
-    <a:masterClrMapping/>
-  </p:clrMapOvr>
-</p:sld>
-</file>
-
-<file path=ppt/slides/slide25.xml><?xml version="1.0" encoding="utf-8"?>
 <p:sld xmlns:a="http://schemas.openxmlformats.org/drawingml/2006/main" xmlns:r="http://schemas.openxmlformats.org/officeDocument/2006/relationships" xmlns:p="http://schemas.openxmlformats.org/presentationml/2006/main">
   <p:cSld>
     <p:spTree>
@@ -7279,7 +6940,7 @@
 </p:sld>
 </file>
 
-<file path=ppt/slides/slide26.xml><?xml version="1.0" encoding="utf-8"?>
+<file path=ppt/slides/slide23.xml><?xml version="1.0" encoding="utf-8"?>
 <p:sld xmlns:a="http://schemas.openxmlformats.org/drawingml/2006/main" xmlns:r="http://schemas.openxmlformats.org/officeDocument/2006/relationships" xmlns:p="http://schemas.openxmlformats.org/presentationml/2006/main">
   <p:cSld>
     <p:spTree>
@@ -8389,7 +8050,7 @@
 </p:sld>
 </file>
 
-<file path=ppt/slides/slide27.xml><?xml version="1.0" encoding="utf-8"?>
+<file path=ppt/slides/slide24.xml><?xml version="1.0" encoding="utf-8"?>
 <p:sld xmlns:a="http://schemas.openxmlformats.org/drawingml/2006/main" xmlns:r="http://schemas.openxmlformats.org/officeDocument/2006/relationships" xmlns:p="http://schemas.openxmlformats.org/presentationml/2006/main">
   <p:cSld>
     <p:spTree>
@@ -8459,7 +8120,7 @@
 </p:sld>
 </file>
 
-<file path=ppt/slides/slide28.xml><?xml version="1.0" encoding="utf-8"?>
+<file path=ppt/slides/slide25.xml><?xml version="1.0" encoding="utf-8"?>
 <p:sld xmlns:a="http://schemas.openxmlformats.org/drawingml/2006/main" xmlns:r="http://schemas.openxmlformats.org/officeDocument/2006/relationships" xmlns:p="http://schemas.openxmlformats.org/presentationml/2006/main">
   <p:cSld>
     <p:spTree>
@@ -9053,7 +8714,7 @@
 </p:sld>
 </file>
 
-<file path=ppt/slides/slide29.xml><?xml version="1.0" encoding="utf-8"?>
+<file path=ppt/slides/slide26.xml><?xml version="1.0" encoding="utf-8"?>
 <p:sld xmlns:a="http://schemas.openxmlformats.org/drawingml/2006/main" xmlns:r="http://schemas.openxmlformats.org/officeDocument/2006/relationships" xmlns:p="http://schemas.openxmlformats.org/presentationml/2006/main">
   <p:cSld>
     <p:spTree>
